--- a/weekly_report/group2/第五周学习汇报.pptx
+++ b/weekly_report/group2/第五周学习汇报.pptx
@@ -5,25 +5,26 @@
     <p:sldMasterId id="2147483664" r:id="rId2"/>
   </p:sldMasterIdLst>
   <p:notesMasterIdLst>
-    <p:notesMasterId r:id="rId16"/>
+    <p:notesMasterId r:id="rId17"/>
   </p:notesMasterIdLst>
   <p:handoutMasterIdLst>
-    <p:handoutMasterId r:id="rId17"/>
+    <p:handoutMasterId r:id="rId18"/>
   </p:handoutMasterIdLst>
   <p:sldIdLst>
     <p:sldId id="256" r:id="rId3"/>
     <p:sldId id="266" r:id="rId4"/>
-    <p:sldId id="265" r:id="rId5"/>
-    <p:sldId id="267" r:id="rId6"/>
-    <p:sldId id="264" r:id="rId7"/>
-    <p:sldId id="257" r:id="rId8"/>
-    <p:sldId id="261" r:id="rId9"/>
-    <p:sldId id="269" r:id="rId10"/>
-    <p:sldId id="270" r:id="rId11"/>
-    <p:sldId id="271" r:id="rId12"/>
-    <p:sldId id="272" r:id="rId13"/>
-    <p:sldId id="273" r:id="rId14"/>
-    <p:sldId id="262" r:id="rId15"/>
+    <p:sldId id="274" r:id="rId5"/>
+    <p:sldId id="265" r:id="rId6"/>
+    <p:sldId id="267" r:id="rId7"/>
+    <p:sldId id="264" r:id="rId8"/>
+    <p:sldId id="257" r:id="rId9"/>
+    <p:sldId id="261" r:id="rId10"/>
+    <p:sldId id="269" r:id="rId11"/>
+    <p:sldId id="270" r:id="rId12"/>
+    <p:sldId id="271" r:id="rId13"/>
+    <p:sldId id="272" r:id="rId14"/>
+    <p:sldId id="273" r:id="rId15"/>
+    <p:sldId id="262" r:id="rId16"/>
   </p:sldIdLst>
   <p:sldSz cx="9144000" cy="6858000" type="screen4x3"/>
   <p:notesSz cx="6997700" cy="9283700"/>
@@ -1926,16 +1927,16 @@
     </dgm:pt>
   </dgm:ptLst>
   <dgm:cxnLst>
+    <dgm:cxn modelId="{6410A7FF-36FD-402A-BEEC-7E0F864DF72C}" srcId="{FF1DCEE5-248E-496F-86F6-E709CAD4C4BC}" destId="{9EF412E8-EB21-49C9-8153-F1009AB26693}" srcOrd="2" destOrd="0" parTransId="{103CCF25-8720-451E-9C2D-7477383EDC18}" sibTransId="{4E5D6CB8-FC1E-4307-A290-D1737A514288}"/>
+    <dgm:cxn modelId="{505710C6-0FD4-496E-BC16-AAF04898C737}" type="presOf" srcId="{B2951EE1-3465-4C95-87EB-379D6C8BC820}" destId="{080BA1B3-864A-4094-A1EB-BE104C105375}" srcOrd="0" destOrd="0" presId="urn:microsoft.com/office/officeart/2005/8/layout/vList4#11"/>
     <dgm:cxn modelId="{39F28B73-F122-46D6-991E-F10827FFB425}" type="presOf" srcId="{ABE55376-B9C6-487C-AD38-9BD25390EE75}" destId="{34A2078B-FB29-4513-93A0-D950E5CF8E39}" srcOrd="1" destOrd="0" presId="urn:microsoft.com/office/officeart/2005/8/layout/vList4#11"/>
+    <dgm:cxn modelId="{B81DE397-9199-41AB-99BA-F4D35F4C6EDE}" type="presOf" srcId="{B2951EE1-3465-4C95-87EB-379D6C8BC820}" destId="{F5CE92A6-D6E2-4C83-BD6D-39023ACA6A13}" srcOrd="1" destOrd="0" presId="urn:microsoft.com/office/officeart/2005/8/layout/vList4#11"/>
+    <dgm:cxn modelId="{349D5678-64FF-48B5-8170-56E31F08E3E9}" type="presOf" srcId="{ABE55376-B9C6-487C-AD38-9BD25390EE75}" destId="{ED3CAE9F-9BA5-4417-8E04-D6DC8D037D63}" srcOrd="0" destOrd="0" presId="urn:microsoft.com/office/officeart/2005/8/layout/vList4#11"/>
+    <dgm:cxn modelId="{851AC8EA-56E2-440F-8951-B067CA29E553}" type="presOf" srcId="{9EF412E8-EB21-49C9-8153-F1009AB26693}" destId="{E2A0C760-2FC2-4B8F-B245-C561B7CA9AFE}" srcOrd="0" destOrd="0" presId="urn:microsoft.com/office/officeart/2005/8/layout/vList4#11"/>
+    <dgm:cxn modelId="{1C717A0B-9EA4-4517-A88F-A6A584D1F7F5}" srcId="{FF1DCEE5-248E-496F-86F6-E709CAD4C4BC}" destId="{ABE55376-B9C6-487C-AD38-9BD25390EE75}" srcOrd="1" destOrd="0" parTransId="{13CB3BBD-D724-44CD-A73C-F6550C8E925B}" sibTransId="{0023D312-6DDD-433D-B3E7-2502D31B05D0}"/>
+    <dgm:cxn modelId="{79258257-9463-4FA3-97ED-5A9F01CAA77D}" srcId="{FF1DCEE5-248E-496F-86F6-E709CAD4C4BC}" destId="{B2951EE1-3465-4C95-87EB-379D6C8BC820}" srcOrd="0" destOrd="0" parTransId="{19242C52-8ABC-4DF0-B626-0C7A98BA35F7}" sibTransId="{D9450A57-D831-4363-8A6B-F17FAC5233E4}"/>
     <dgm:cxn modelId="{17332A93-08DF-4ACC-8785-C5CFAB944913}" type="presOf" srcId="{9EF412E8-EB21-49C9-8153-F1009AB26693}" destId="{B164C1F9-18F4-4C25-B720-90F66DE81081}" srcOrd="1" destOrd="0" presId="urn:microsoft.com/office/officeart/2005/8/layout/vList4#11"/>
     <dgm:cxn modelId="{D7A7C0BC-C24B-474F-9DB0-F5B5F446A4A4}" type="presOf" srcId="{FF1DCEE5-248E-496F-86F6-E709CAD4C4BC}" destId="{0DE5694B-977D-45C1-BBD9-C66FFE47B0A7}" srcOrd="0" destOrd="0" presId="urn:microsoft.com/office/officeart/2005/8/layout/vList4#11"/>
-    <dgm:cxn modelId="{6410A7FF-36FD-402A-BEEC-7E0F864DF72C}" srcId="{FF1DCEE5-248E-496F-86F6-E709CAD4C4BC}" destId="{9EF412E8-EB21-49C9-8153-F1009AB26693}" srcOrd="2" destOrd="0" parTransId="{103CCF25-8720-451E-9C2D-7477383EDC18}" sibTransId="{4E5D6CB8-FC1E-4307-A290-D1737A514288}"/>
-    <dgm:cxn modelId="{851AC8EA-56E2-440F-8951-B067CA29E553}" type="presOf" srcId="{9EF412E8-EB21-49C9-8153-F1009AB26693}" destId="{E2A0C760-2FC2-4B8F-B245-C561B7CA9AFE}" srcOrd="0" destOrd="0" presId="urn:microsoft.com/office/officeart/2005/8/layout/vList4#11"/>
-    <dgm:cxn modelId="{B81DE397-9199-41AB-99BA-F4D35F4C6EDE}" type="presOf" srcId="{B2951EE1-3465-4C95-87EB-379D6C8BC820}" destId="{F5CE92A6-D6E2-4C83-BD6D-39023ACA6A13}" srcOrd="1" destOrd="0" presId="urn:microsoft.com/office/officeart/2005/8/layout/vList4#11"/>
-    <dgm:cxn modelId="{1C717A0B-9EA4-4517-A88F-A6A584D1F7F5}" srcId="{FF1DCEE5-248E-496F-86F6-E709CAD4C4BC}" destId="{ABE55376-B9C6-487C-AD38-9BD25390EE75}" srcOrd="1" destOrd="0" parTransId="{13CB3BBD-D724-44CD-A73C-F6550C8E925B}" sibTransId="{0023D312-6DDD-433D-B3E7-2502D31B05D0}"/>
-    <dgm:cxn modelId="{79258257-9463-4FA3-97ED-5A9F01CAA77D}" srcId="{FF1DCEE5-248E-496F-86F6-E709CAD4C4BC}" destId="{B2951EE1-3465-4C95-87EB-379D6C8BC820}" srcOrd="0" destOrd="0" parTransId="{19242C52-8ABC-4DF0-B626-0C7A98BA35F7}" sibTransId="{D9450A57-D831-4363-8A6B-F17FAC5233E4}"/>
-    <dgm:cxn modelId="{349D5678-64FF-48B5-8170-56E31F08E3E9}" type="presOf" srcId="{ABE55376-B9C6-487C-AD38-9BD25390EE75}" destId="{ED3CAE9F-9BA5-4417-8E04-D6DC8D037D63}" srcOrd="0" destOrd="0" presId="urn:microsoft.com/office/officeart/2005/8/layout/vList4#11"/>
-    <dgm:cxn modelId="{505710C6-0FD4-496E-BC16-AAF04898C737}" type="presOf" srcId="{B2951EE1-3465-4C95-87EB-379D6C8BC820}" destId="{080BA1B3-864A-4094-A1EB-BE104C105375}" srcOrd="0" destOrd="0" presId="urn:microsoft.com/office/officeart/2005/8/layout/vList4#11"/>
     <dgm:cxn modelId="{8F5EEA9B-FBEC-47CC-9554-5D0F69386E8E}" type="presParOf" srcId="{0DE5694B-977D-45C1-BBD9-C66FFE47B0A7}" destId="{A06F924B-9523-4EF2-B943-DE3F6E7F425B}" srcOrd="0" destOrd="0" presId="urn:microsoft.com/office/officeart/2005/8/layout/vList4#11"/>
     <dgm:cxn modelId="{81102E2F-38CF-43CE-A872-9BC3BE3AE9F8}" type="presParOf" srcId="{A06F924B-9523-4EF2-B943-DE3F6E7F425B}" destId="{080BA1B3-864A-4094-A1EB-BE104C105375}" srcOrd="0" destOrd="0" presId="urn:microsoft.com/office/officeart/2005/8/layout/vList4#11"/>
     <dgm:cxn modelId="{CB892702-AD1C-4832-9F63-6BBAEA97D0B8}" type="presParOf" srcId="{A06F924B-9523-4EF2-B943-DE3F6E7F425B}" destId="{A00F4661-E89F-4303-85BA-4DF8943FFAF6}" srcOrd="1" destOrd="0" presId="urn:microsoft.com/office/officeart/2005/8/layout/vList4#11"/>
@@ -2306,8 +2307,8 @@
     <dgm:cxn modelId="{3A535DC1-7BC9-444B-AE55-90C527407349}" type="presOf" srcId="{B49333E9-154B-4946-B35A-F02AEF4DF51D}" destId="{AF83CFF8-3A31-452B-AB8A-6433AE3FFEF1}" srcOrd="0" destOrd="0" presId="urn:microsoft.com/office/officeart/2008/layout/HorizontalMultiLevelHierarchy"/>
     <dgm:cxn modelId="{544F958E-F609-453F-B3AF-82DA5DC975CD}" srcId="{5C947A84-FE35-4F4D-924A-3E5E12DC8F5E}" destId="{B49333E9-154B-4946-B35A-F02AEF4DF51D}" srcOrd="0" destOrd="0" parTransId="{F0637B80-DDA4-40E7-8497-5055328D972D}" sibTransId="{FC146CC5-2DBF-4D41-BB36-494EC6CE98A4}"/>
     <dgm:cxn modelId="{ACEFD1C9-E5D6-4566-AF0C-D035E3D9DC58}" srcId="{B49333E9-154B-4946-B35A-F02AEF4DF51D}" destId="{AC53AB05-F2DE-43B2-93F7-A4AA92A1A386}" srcOrd="0" destOrd="0" parTransId="{F8068EC3-8F26-45EC-AB61-BB5C32E073A9}" sibTransId="{875557B8-E7AF-498D-B1DB-417E44365AA6}"/>
+    <dgm:cxn modelId="{530DB781-FEB2-4196-8D78-FE12AA56B54C}" srcId="{B49333E9-154B-4946-B35A-F02AEF4DF51D}" destId="{BDDC032B-AB2B-464B-946F-6C7A8F16C25B}" srcOrd="1" destOrd="0" parTransId="{0B5F45D0-3630-4A63-9005-2E5D5DAEAB2A}" sibTransId="{09610987-4F05-4A4C-B88E-79B7FA507569}"/>
     <dgm:cxn modelId="{67608013-FB16-47DC-9FA1-0867046B0746}" type="presOf" srcId="{BDDC032B-AB2B-464B-946F-6C7A8F16C25B}" destId="{23717466-92EF-4641-9DF6-69BCDD5160F0}" srcOrd="0" destOrd="0" presId="urn:microsoft.com/office/officeart/2008/layout/HorizontalMultiLevelHierarchy"/>
-    <dgm:cxn modelId="{530DB781-FEB2-4196-8D78-FE12AA56B54C}" srcId="{B49333E9-154B-4946-B35A-F02AEF4DF51D}" destId="{BDDC032B-AB2B-464B-946F-6C7A8F16C25B}" srcOrd="1" destOrd="0" parTransId="{0B5F45D0-3630-4A63-9005-2E5D5DAEAB2A}" sibTransId="{09610987-4F05-4A4C-B88E-79B7FA507569}"/>
     <dgm:cxn modelId="{760B2350-D6E8-47F5-8191-2A6FEC4814B1}" type="presOf" srcId="{0CF1FC17-8BF6-42AD-A206-EB60732EB915}" destId="{2452A99C-7A6F-4547-BAFE-E7A06B86E0B3}" srcOrd="1" destOrd="0" presId="urn:microsoft.com/office/officeart/2008/layout/HorizontalMultiLevelHierarchy"/>
     <dgm:cxn modelId="{753CDB9F-D085-4871-9326-1D0BB097A21A}" type="presOf" srcId="{4D123B55-D8B8-40F6-A12E-AFDE967608EE}" destId="{BD40765C-1837-41EA-A6AD-DB3B34DC3FD8}" srcOrd="0" destOrd="0" presId="urn:microsoft.com/office/officeart/2008/layout/HorizontalMultiLevelHierarchy"/>
     <dgm:cxn modelId="{25DE4DE4-0E3A-44E9-8C1B-93E0D159CB87}" type="presOf" srcId="{0B5F45D0-3630-4A63-9005-2E5D5DAEAB2A}" destId="{39186EE7-4254-4B85-8250-49EA74F13435}" srcOrd="1" destOrd="0" presId="urn:microsoft.com/office/officeart/2008/layout/HorizontalMultiLevelHierarchy"/>
@@ -3098,7 +3099,7 @@
             </a:spcAft>
           </a:pPr>
           <a:r>
-            <a:rPr lang="zh-CN" sz="1900" kern="1200" dirty="0" smtClean="0"/>
+            <a:rPr lang="zh-CN" altLang="en-US" sz="1900" kern="1200" dirty="0" smtClean="0"/>
             <a:t>人体与机体全面信息融合</a:t>
           </a:r>
           <a:endParaRPr lang="zh-CN" altLang="en-US" sz="1900" kern="1200" dirty="0"/>
@@ -3175,7 +3176,7 @@
             </a:spcAft>
           </a:pPr>
           <a:r>
-            <a:rPr lang="zh-CN" altLang="zh-CN" sz="1100" kern="1200" dirty="0" smtClean="0"/>
+            <a:rPr lang="zh-CN" altLang="en-US" sz="1100" kern="1200" dirty="0" smtClean="0"/>
             <a:t>脑电、肌电、运动姿态等多种生物信息检测</a:t>
           </a:r>
           <a:endParaRPr lang="zh-CN" altLang="en-US" sz="1100" kern="1200" dirty="0"/>
@@ -3252,7 +3253,7 @@
             </a:spcAft>
           </a:pPr>
           <a:r>
-            <a:rPr lang="zh-CN" altLang="zh-CN" sz="1100" kern="1200" dirty="0" smtClean="0"/>
+            <a:rPr lang="zh-CN" altLang="en-US" sz="1100" kern="1200" dirty="0" smtClean="0"/>
             <a:t>解码与模式识别要求</a:t>
           </a:r>
           <a:endParaRPr lang="zh-CN" altLang="en-US" sz="1100" kern="1200" dirty="0"/>
@@ -3329,7 +3330,7 @@
             </a:spcAft>
           </a:pPr>
           <a:r>
-            <a:rPr lang="zh-CN" altLang="zh-CN" sz="1100" kern="1200" dirty="0" smtClean="0"/>
+            <a:rPr lang="zh-CN" altLang="en-US" sz="1100" kern="1200" dirty="0" smtClean="0"/>
             <a:t>及时反馈机体运行状态与各种人机交互参数信息</a:t>
           </a:r>
           <a:endParaRPr lang="zh-CN" altLang="en-US" sz="1100" kern="1200" dirty="0"/>
@@ -6007,7 +6008,7 @@
             <a:fld id="{3739F75B-3842-4986-B379-A25F65D2E2D9}" type="datetimeFigureOut">
               <a:rPr lang="en-US" altLang="zh-CN" smtClean="0"/>
               <a:pPr/>
-              <a:t>10/26/2017</a:t>
+              <a:t>10/27/2017</a:t>
             </a:fld>
             <a:endParaRPr lang="zh-CN"/>
           </a:p>
@@ -6152,7 +6153,7 @@
           <a:p>
             <a:fld id="{866387FC-CCBE-45D6-8023-B2729909DF51}" type="datetimeFigureOut">
               <a:pPr/>
-              <a:t>2017/10/26</a:t>
+              <a:t>2017/10/27</a:t>
             </a:fld>
             <a:endParaRPr lang="zh-CN"/>
           </a:p>
@@ -6481,7 +6482,7 @@
             <a:fld id="{866387FC-CCBE-45D6-8023-B2729909DF51}" type="datetimeFigureOut">
               <a:rPr lang="en-US" altLang="zh-CN" smtClean="0"/>
               <a:pPr/>
-              <a:t>10/26/2017</a:t>
+              <a:t>10/27/2017</a:t>
             </a:fld>
             <a:endParaRPr lang="zh-CN"/>
           </a:p>
@@ -6630,7 +6631,7 @@
             <a:fld id="{866387FC-CCBE-45D6-8023-B2729909DF51}" type="datetimeFigureOut">
               <a:rPr lang="en-US" altLang="zh-CN" smtClean="0"/>
               <a:pPr/>
-              <a:t>10/26/2017</a:t>
+              <a:t>10/27/2017</a:t>
             </a:fld>
             <a:endParaRPr lang="zh-CN"/>
           </a:p>
@@ -6673,7 +6674,7 @@
             <a:fld id="{BE1686F5-D9B0-4B87-9E68-28AD15F2A4F1}" type="slidenum">
               <a:rPr lang="en-US" altLang="zh-CN" smtClean="0"/>
               <a:pPr/>
-              <a:t>5</a:t>
+              <a:t>6</a:t>
             </a:fld>
             <a:endParaRPr lang="zh-CN"/>
           </a:p>
@@ -6784,7 +6785,7 @@
             <a:fld id="{866387FC-CCBE-45D6-8023-B2729909DF51}" type="datetimeFigureOut">
               <a:rPr lang="en-US" altLang="zh-CN" smtClean="0"/>
               <a:pPr/>
-              <a:t>10/26/2017</a:t>
+              <a:t>10/27/2017</a:t>
             </a:fld>
             <a:endParaRPr lang="zh-CN"/>
           </a:p>
@@ -6827,7 +6828,7 @@
             <a:fld id="{BE1686F5-D9B0-4B87-9E68-28AD15F2A4F1}" type="slidenum">
               <a:rPr lang="en-US" altLang="zh-CN" smtClean="0"/>
               <a:pPr/>
-              <a:t>6</a:t>
+              <a:t>7</a:t>
             </a:fld>
             <a:endParaRPr lang="zh-CN"/>
           </a:p>
@@ -6933,7 +6934,7 @@
             <a:fld id="{866387FC-CCBE-45D6-8023-B2729909DF51}" type="datetimeFigureOut">
               <a:rPr lang="en-US" altLang="zh-CN" smtClean="0"/>
               <a:pPr/>
-              <a:t>10/26/2017</a:t>
+              <a:t>10/27/2017</a:t>
             </a:fld>
             <a:endParaRPr lang="zh-CN"/>
           </a:p>
@@ -6976,7 +6977,7 @@
             <a:fld id="{BE1686F5-D9B0-4B87-9E68-28AD15F2A4F1}" type="slidenum">
               <a:rPr lang="en-US" altLang="zh-CN" smtClean="0"/>
               <a:pPr/>
-              <a:t>7</a:t>
+              <a:t>8</a:t>
             </a:fld>
             <a:endParaRPr lang="zh-CN"/>
           </a:p>
@@ -7082,7 +7083,7 @@
             <a:fld id="{866387FC-CCBE-45D6-8023-B2729909DF51}" type="datetimeFigureOut">
               <a:rPr lang="en-US" altLang="zh-CN" smtClean="0"/>
               <a:pPr/>
-              <a:t>10/26/2017</a:t>
+              <a:t>10/27/2017</a:t>
             </a:fld>
             <a:endParaRPr lang="zh-CN"/>
           </a:p>
@@ -7125,7 +7126,7 @@
             <a:fld id="{BE1686F5-D9B0-4B87-9E68-28AD15F2A4F1}" type="slidenum">
               <a:rPr lang="en-US" altLang="zh-CN" smtClean="0"/>
               <a:pPr/>
-              <a:t>13</a:t>
+              <a:t>14</a:t>
             </a:fld>
             <a:endParaRPr lang="zh-CN"/>
           </a:p>
@@ -7534,7 +7535,7 @@
           <a:p>
             <a:fld id="{633EFA78-DE0E-433D-8CFA-D9FBF0D95DCD}" type="datetime1">
               <a:pPr/>
-              <a:t>2017/10/26</a:t>
+              <a:t>2017/10/27</a:t>
             </a:fld>
             <a:endParaRPr lang="zh-CN"/>
           </a:p>
@@ -7709,7 +7710,7 @@
           <a:p>
             <a:fld id="{4427F9C6-20A9-45D8-B666-D95AD1AA535F}" type="datetime1">
               <a:pPr/>
-              <a:t>2017/10/26</a:t>
+              <a:t>2017/10/27</a:t>
             </a:fld>
             <a:endParaRPr lang="zh-CN"/>
           </a:p>
@@ -7822,7 +7823,7 @@
           <a:p>
             <a:fld id="{5AFB2161-9FCA-498A-A51E-7B90071250E8}" type="datetime1">
               <a:pPr/>
-              <a:t>2017/10/26</a:t>
+              <a:t>2017/10/27</a:t>
             </a:fld>
             <a:endParaRPr lang="zh-CN"/>
           </a:p>
@@ -8072,7 +8073,7 @@
           <a:p>
             <a:fld id="{9F5395AF-258B-4502-92DF-E211AA281B41}" type="datetime1">
               <a:pPr/>
-              <a:t>2017/10/26</a:t>
+              <a:t>2017/10/27</a:t>
             </a:fld>
             <a:endParaRPr lang="zh-CN"/>
           </a:p>
@@ -8299,7 +8300,7 @@
           <a:p>
             <a:fld id="{A1099F1B-DCEB-4336-9EB0-63F5002A04E3}" type="datetimeFigureOut">
               <a:pPr/>
-              <a:t>2017/10/26</a:t>
+              <a:t>2017/10/27</a:t>
             </a:fld>
             <a:endParaRPr lang="zh-CN"/>
           </a:p>
@@ -8464,7 +8465,7 @@
           <a:p>
             <a:fld id="{A1099F1B-DCEB-4336-9EB0-63F5002A04E3}" type="datetimeFigureOut">
               <a:pPr/>
-              <a:t>2017/10/26</a:t>
+              <a:t>2017/10/27</a:t>
             </a:fld>
             <a:endParaRPr lang="zh-CN"/>
           </a:p>
@@ -8691,7 +8692,7 @@
           <a:p>
             <a:fld id="{A1099F1B-DCEB-4336-9EB0-63F5002A04E3}" type="datetimeFigureOut">
               <a:pPr/>
-              <a:t>2017/10/26</a:t>
+              <a:t>2017/10/27</a:t>
             </a:fld>
             <a:endParaRPr lang="zh-CN"/>
           </a:p>
@@ -9156,7 +9157,7 @@
             <a:pPr algn="r"/>
             <a:fld id="{1BC102A9-C1B1-4354-89E4-F43472216A4F}" type="datetime1">
               <a:pPr algn="r"/>
-              <a:t>2017/10/26</a:t>
+              <a:t>2017/10/27</a:t>
             </a:fld>
             <a:endParaRPr lang="zh-CN" sz="1000">
               <a:solidFill>
@@ -9727,6 +9728,365 @@
           <a:chExt cx="0" cy="0"/>
         </a:xfrm>
       </p:grpSpPr>
+      <p:pic>
+        <p:nvPicPr>
+          <p:cNvPr id="2" name="图片 1"/>
+          <p:cNvPicPr/>
+          <p:nvPr/>
+        </p:nvPicPr>
+        <p:blipFill rotWithShape="1">
+          <a:blip r:embed="rId2"/>
+          <a:srcRect l="4748" t="13575" r="3791" b="7887"/>
+          <a:stretch/>
+        </p:blipFill>
+        <p:spPr bwMode="auto">
+          <a:xfrm>
+            <a:off x="539552" y="692696"/>
+            <a:ext cx="4896544" cy="3024336"/>
+          </a:xfrm>
+          <a:prstGeom prst="rect">
+            <a:avLst/>
+          </a:prstGeom>
+          <a:ln>
+            <a:noFill/>
+          </a:ln>
+          <a:extLst>
+            <a:ext uri="{53640926-AAD7-44D8-BBD7-CCE9431645EC}">
+              <a14:shadowObscured xmlns:a14="http://schemas.microsoft.com/office/drawing/2010/main"/>
+            </a:ext>
+          </a:extLst>
+        </p:spPr>
+      </p:pic>
+      <p:sp>
+        <p:nvSpPr>
+          <p:cNvPr id="3" name="文本框 2"/>
+          <p:cNvSpPr txBox="1"/>
+          <p:nvPr/>
+        </p:nvSpPr>
+        <p:spPr>
+          <a:xfrm>
+            <a:off x="5652120" y="1268760"/>
+            <a:ext cx="2973029" cy="677878"/>
+          </a:xfrm>
+          <a:prstGeom prst="rect">
+            <a:avLst/>
+          </a:prstGeom>
+          <a:noFill/>
+        </p:spPr>
+        <p:txBody>
+          <a:bodyPr wrap="square" rtlCol="0">
+            <a:spAutoFit/>
+          </a:bodyPr>
+          <a:lstStyle/>
+          <a:p>
+            <a:pPr>
+              <a:lnSpc>
+                <a:spcPct val="150000"/>
+              </a:lnSpc>
+            </a:pPr>
+            <a:r>
+              <a:rPr lang="en-US" altLang="zh-CN" sz="1350" dirty="0" err="1"/>
+              <a:t>Brunnstrom</a:t>
+            </a:r>
+            <a:r>
+              <a:rPr lang="zh-CN" altLang="en-US" sz="1350" dirty="0"/>
+              <a:t>提出的康复阶段，国产傅里叶智能外骨骼以此作为技术架构</a:t>
+            </a:r>
+          </a:p>
+        </p:txBody>
+      </p:sp>
+      <p:sp>
+        <p:nvSpPr>
+          <p:cNvPr id="4" name="文本框 3"/>
+          <p:cNvSpPr txBox="1"/>
+          <p:nvPr/>
+        </p:nvSpPr>
+        <p:spPr>
+          <a:xfrm>
+            <a:off x="5436096" y="2132856"/>
+            <a:ext cx="3240360" cy="261610"/>
+          </a:xfrm>
+          <a:prstGeom prst="rect">
+            <a:avLst/>
+          </a:prstGeom>
+          <a:noFill/>
+        </p:spPr>
+        <p:txBody>
+          <a:bodyPr wrap="square" rtlCol="0">
+            <a:spAutoFit/>
+          </a:bodyPr>
+          <a:lstStyle/>
+          <a:p>
+            <a:r>
+              <a:rPr lang="zh-CN" altLang="zh-CN" sz="1100" dirty="0"/>
+              <a:t> </a:t>
+            </a:r>
+            <a:r>
+              <a:rPr lang="en-US" altLang="zh-CN" sz="1100" u="sng" dirty="0">
+                <a:hlinkClick r:id="rId3"/>
+              </a:rPr>
+              <a:t>http://www.fftai.com/product/product.php</a:t>
+            </a:r>
+            <a:endParaRPr lang="zh-CN" altLang="en-US" sz="1100" dirty="0"/>
+          </a:p>
+        </p:txBody>
+      </p:sp>
+      <p:sp>
+        <p:nvSpPr>
+          <p:cNvPr id="5" name="文本框 4"/>
+          <p:cNvSpPr txBox="1"/>
+          <p:nvPr/>
+        </p:nvSpPr>
+        <p:spPr>
+          <a:xfrm>
+            <a:off x="467544" y="3717032"/>
+            <a:ext cx="8268802" cy="2677656"/>
+          </a:xfrm>
+          <a:prstGeom prst="rect">
+            <a:avLst/>
+          </a:prstGeom>
+          <a:noFill/>
+        </p:spPr>
+        <p:txBody>
+          <a:bodyPr wrap="square" rtlCol="0">
+            <a:spAutoFit/>
+          </a:bodyPr>
+          <a:lstStyle/>
+          <a:p>
+            <a:pPr>
+              <a:lnSpc>
+                <a:spcPct val="150000"/>
+              </a:lnSpc>
+            </a:pPr>
+            <a:r>
+              <a:rPr lang="zh-CN" altLang="en-US" sz="1400" dirty="0"/>
+              <a:t>控制技术未来发展展望：</a:t>
+            </a:r>
+            <a:endParaRPr lang="en-US" altLang="zh-CN" sz="1400" dirty="0"/>
+          </a:p>
+          <a:p>
+            <a:pPr lvl="0">
+              <a:lnSpc>
+                <a:spcPct val="150000"/>
+              </a:lnSpc>
+            </a:pPr>
+            <a:r>
+              <a:rPr lang="en-US" altLang="zh-CN" sz="1400" dirty="0"/>
+              <a:t>1.</a:t>
+            </a:r>
+            <a:r>
+              <a:rPr lang="zh-CN" altLang="zh-CN" sz="1400" dirty="0"/>
+              <a:t>提升信息检测识别效率</a:t>
+            </a:r>
+            <a:r>
+              <a:rPr lang="en-US" altLang="zh-CN" sz="1400" dirty="0"/>
+              <a:t>——</a:t>
+            </a:r>
+            <a:r>
+              <a:rPr lang="zh-CN" altLang="zh-CN" sz="1400" dirty="0"/>
+              <a:t>表面肌电</a:t>
+            </a:r>
+            <a:r>
+              <a:rPr lang="en-US" altLang="zh-CN" sz="1400" dirty="0"/>
+              <a:t> (</a:t>
+            </a:r>
+            <a:r>
+              <a:rPr lang="en-US" altLang="zh-CN" sz="1400" dirty="0" err="1"/>
+              <a:t>sEMG</a:t>
+            </a:r>
+            <a:r>
+              <a:rPr lang="zh-CN" altLang="zh-CN" sz="1400" dirty="0"/>
+              <a:t>）</a:t>
+            </a:r>
+            <a:r>
+              <a:rPr lang="zh-CN" altLang="en-US" sz="1400" dirty="0"/>
+              <a:t>？</a:t>
+            </a:r>
+            <a:r>
+              <a:rPr lang="zh-CN" altLang="zh-CN" sz="1400" dirty="0"/>
+              <a:t>近红外光谱</a:t>
+            </a:r>
+            <a:r>
+              <a:rPr lang="en-US" altLang="zh-CN" sz="1400" dirty="0"/>
+              <a:t> (NIRS)</a:t>
+            </a:r>
+            <a:r>
+              <a:rPr lang="zh-CN" altLang="en-US" sz="1400" dirty="0"/>
+              <a:t>？新软硬件控制算法</a:t>
+            </a:r>
+            <a:r>
+              <a:rPr lang="en-US" altLang="zh-CN" sz="1400" dirty="0"/>
+              <a:t>? </a:t>
+            </a:r>
+            <a:endParaRPr lang="zh-CN" altLang="zh-CN" sz="1400" dirty="0"/>
+          </a:p>
+          <a:p>
+            <a:pPr lvl="0">
+              <a:lnSpc>
+                <a:spcPct val="150000"/>
+              </a:lnSpc>
+            </a:pPr>
+            <a:r>
+              <a:rPr lang="en-US" altLang="zh-CN" sz="1400" dirty="0"/>
+              <a:t>2.</a:t>
+            </a:r>
+            <a:r>
+              <a:rPr lang="zh-CN" altLang="zh-CN" sz="1400" dirty="0"/>
+              <a:t>实现复杂</a:t>
+            </a:r>
+            <a:r>
+              <a:rPr lang="en-US" altLang="zh-CN" sz="1400" dirty="0"/>
+              <a:t>/</a:t>
+            </a:r>
+            <a:r>
+              <a:rPr lang="zh-CN" altLang="zh-CN" sz="1400" dirty="0"/>
+              <a:t>复合动作协调控制</a:t>
+            </a:r>
+            <a:r>
+              <a:rPr lang="en-US" altLang="zh-CN" sz="1400" dirty="0"/>
+              <a:t>——</a:t>
+            </a:r>
+            <a:r>
+              <a:rPr lang="zh-CN" altLang="en-US" sz="1400" dirty="0"/>
+              <a:t>手指微小的运动？</a:t>
+            </a:r>
+            <a:endParaRPr lang="zh-CN" altLang="zh-CN" sz="1400" dirty="0"/>
+          </a:p>
+          <a:p>
+            <a:pPr lvl="0">
+              <a:lnSpc>
+                <a:spcPct val="150000"/>
+              </a:lnSpc>
+            </a:pPr>
+            <a:r>
+              <a:rPr lang="en-US" altLang="zh-CN" sz="1400" dirty="0"/>
+              <a:t>3.</a:t>
+            </a:r>
+            <a:r>
+              <a:rPr lang="zh-CN" altLang="zh-CN" sz="1400" dirty="0"/>
+              <a:t>优先选择触觉反馈使相应更快</a:t>
+            </a:r>
+            <a:r>
+              <a:rPr lang="en-US" altLang="zh-CN" sz="1400" dirty="0"/>
+              <a:t>——</a:t>
+            </a:r>
+            <a:r>
+              <a:rPr lang="zh-CN" altLang="en-US" sz="1400" dirty="0"/>
+              <a:t>反馈直接由大脑相应部位感知？</a:t>
+            </a:r>
+            <a:endParaRPr lang="en-US" altLang="zh-CN" sz="1400" dirty="0"/>
+          </a:p>
+          <a:p>
+            <a:pPr lvl="0">
+              <a:lnSpc>
+                <a:spcPct val="150000"/>
+              </a:lnSpc>
+            </a:pPr>
+            <a:endParaRPr lang="en-US" altLang="zh-CN" sz="1400" dirty="0"/>
+          </a:p>
+          <a:p>
+            <a:pPr>
+              <a:lnSpc>
+                <a:spcPct val="150000"/>
+              </a:lnSpc>
+            </a:pPr>
+            <a:r>
+              <a:rPr lang="zh-CN" altLang="zh-CN" sz="1100" dirty="0"/>
+              <a:t>明东等</a:t>
+            </a:r>
+            <a:r>
+              <a:rPr lang="en-US" altLang="zh-CN" sz="1100" dirty="0"/>
+              <a:t>, </a:t>
+            </a:r>
+            <a:r>
+              <a:rPr lang="zh-CN" altLang="zh-CN" sz="1100" dirty="0"/>
+              <a:t>基于人机信息交互的助行外骨骼机器人技术进展</a:t>
+            </a:r>
+            <a:r>
+              <a:rPr lang="en-US" altLang="zh-CN" sz="1100" dirty="0"/>
+              <a:t>. </a:t>
+            </a:r>
+            <a:r>
+              <a:rPr lang="zh-CN" altLang="zh-CN" sz="1100" dirty="0"/>
+              <a:t>自动化学报</a:t>
+            </a:r>
+            <a:r>
+              <a:rPr lang="en-US" altLang="zh-CN" sz="1100" dirty="0"/>
+              <a:t>, 2017(07): </a:t>
+            </a:r>
+            <a:r>
+              <a:rPr lang="zh-CN" altLang="zh-CN" sz="1100" dirty="0"/>
+              <a:t>第</a:t>
+            </a:r>
+            <a:r>
+              <a:rPr lang="en-US" altLang="zh-CN" sz="1100" dirty="0"/>
+              <a:t>1089-1100</a:t>
+            </a:r>
+            <a:r>
+              <a:rPr lang="zh-CN" altLang="zh-CN" sz="1100" dirty="0"/>
+              <a:t>页</a:t>
+            </a:r>
+            <a:r>
+              <a:rPr lang="en-US" altLang="zh-CN" sz="1100" dirty="0"/>
+              <a:t>.</a:t>
+            </a:r>
+            <a:endParaRPr lang="zh-CN" altLang="en-US" sz="1100" dirty="0"/>
+          </a:p>
+          <a:p>
+            <a:pPr lvl="0">
+              <a:lnSpc>
+                <a:spcPct val="150000"/>
+              </a:lnSpc>
+            </a:pPr>
+            <a:endParaRPr lang="zh-CN" altLang="zh-CN" sz="1400" dirty="0"/>
+          </a:p>
+          <a:p>
+            <a:pPr>
+              <a:lnSpc>
+                <a:spcPct val="150000"/>
+              </a:lnSpc>
+            </a:pPr>
+            <a:endParaRPr lang="zh-CN" altLang="en-US" sz="1400" dirty="0"/>
+          </a:p>
+        </p:txBody>
+      </p:sp>
+    </p:spTree>
+    <p:extLst>
+      <p:ext uri="{BB962C8B-B14F-4D97-AF65-F5344CB8AC3E}">
+        <p14:creationId xmlns:p14="http://schemas.microsoft.com/office/powerpoint/2010/main" val="1553748268"/>
+      </p:ext>
+    </p:extLst>
+  </p:cSld>
+  <p:clrMapOvr>
+    <a:masterClrMapping/>
+  </p:clrMapOvr>
+  <p:timing>
+    <p:tnLst>
+      <p:par>
+        <p:cTn id="1" dur="indefinite" restart="never" nodeType="tmRoot"/>
+      </p:par>
+    </p:tnLst>
+  </p:timing>
+</p:sld>
+</file>
+
+<file path=ppt/slides/slide11.xml><?xml version="1.0" encoding="utf-8"?>
+<p:sld xmlns:a="http://schemas.openxmlformats.org/drawingml/2006/main" xmlns:r="http://schemas.openxmlformats.org/officeDocument/2006/relationships" xmlns:p="http://schemas.openxmlformats.org/presentationml/2006/main">
+  <p:cSld>
+    <p:spTree>
+      <p:nvGrpSpPr>
+        <p:cNvPr id="1" name=""/>
+        <p:cNvGrpSpPr/>
+        <p:nvPr/>
+      </p:nvGrpSpPr>
+      <p:grpSpPr>
+        <a:xfrm>
+          <a:off x="0" y="0"/>
+          <a:ext cx="0" cy="0"/>
+          <a:chOff x="0" y="0"/>
+          <a:chExt cx="0" cy="0"/>
+        </a:xfrm>
+      </p:grpSpPr>
       <p:sp>
         <p:nvSpPr>
           <p:cNvPr id="3" name="内容占位符 2"/>
@@ -9987,7 +10347,7 @@
 </p:sld>
 </file>
 
-<file path=ppt/slides/slide11.xml><?xml version="1.0" encoding="utf-8"?>
+<file path=ppt/slides/slide12.xml><?xml version="1.0" encoding="utf-8"?>
 <p:sld xmlns:a="http://schemas.openxmlformats.org/drawingml/2006/main" xmlns:r="http://schemas.openxmlformats.org/officeDocument/2006/relationships" xmlns:p="http://schemas.openxmlformats.org/presentationml/2006/main">
   <p:cSld>
     <p:spTree>
@@ -10212,7 +10572,7 @@
 </p:sld>
 </file>
 
-<file path=ppt/slides/slide12.xml><?xml version="1.0" encoding="utf-8"?>
+<file path=ppt/slides/slide13.xml><?xml version="1.0" encoding="utf-8"?>
 <p:sld xmlns:a="http://schemas.openxmlformats.org/drawingml/2006/main" xmlns:r="http://schemas.openxmlformats.org/officeDocument/2006/relationships" xmlns:p="http://schemas.openxmlformats.org/presentationml/2006/main">
   <p:cSld>
     <p:spTree>
@@ -10416,7 +10776,7 @@
 </p:sld>
 </file>
 
-<file path=ppt/slides/slide13.xml><?xml version="1.0" encoding="utf-8"?>
+<file path=ppt/slides/slide14.xml><?xml version="1.0" encoding="utf-8"?>
 <p:sld xmlns:a="http://schemas.openxmlformats.org/drawingml/2006/main" xmlns:r="http://schemas.openxmlformats.org/officeDocument/2006/relationships" xmlns:p="http://schemas.openxmlformats.org/presentationml/2006/main">
   <p:cSld>
     <p:spTree>
@@ -10455,15 +10815,7 @@
           <a:p>
             <a:r>
               <a:rPr lang="zh-CN" altLang="en-US" dirty="0" smtClean="0"/>
-              <a:t>四 </a:t>
-            </a:r>
-            <a:r>
-              <a:rPr lang="zh-CN" altLang="en-US" dirty="0" smtClean="0"/>
-              <a:t>未来</a:t>
-            </a:r>
-            <a:r>
-              <a:rPr lang="zh-CN" altLang="en-US" dirty="0" smtClean="0"/>
-              <a:t>预期</a:t>
+              <a:t>四 未来预期</a:t>
             </a:r>
             <a:endParaRPr lang="zh-CN" dirty="0"/>
           </a:p>
@@ -10992,7 +11344,7 @@
           <a:graphicData uri="http://schemas.openxmlformats.org/presentationml/2006/ole">
             <mc:AlternateContent xmlns:mc="http://schemas.openxmlformats.org/markup-compatibility/2006">
               <mc:Choice xmlns:v="urn:schemas-microsoft-com:vml" Requires="v">
-                <p:oleObj spid="_x0000_s1028" name="Document" r:id="rId4" imgW="5274753" imgH="8915720" progId="Word.Document.12">
+                <p:oleObj spid="_x0000_s1029" name="Document" r:id="rId4" imgW="5274753" imgH="8915720" progId="Word.Document.12">
                   <p:embed/>
                 </p:oleObj>
               </mc:Choice>
@@ -11094,7 +11446,7 @@
         </p:blipFill>
         <p:spPr>
           <a:xfrm>
-            <a:off x="3900972" y="260648"/>
+            <a:off x="3900972" y="303615"/>
             <a:ext cx="4536504" cy="6149721"/>
           </a:xfrm>
           <a:prstGeom prst="rect">
@@ -11151,6 +11503,2536 @@
         </p:nvSpPr>
         <p:spPr>
           <a:xfrm>
+            <a:off x="502920" y="5157192"/>
+            <a:ext cx="8183880" cy="1051560"/>
+          </a:xfrm>
+        </p:spPr>
+        <p:txBody>
+          <a:bodyPr/>
+          <a:lstStyle/>
+          <a:p>
+            <a:r>
+              <a:rPr lang="zh-CN" altLang="en-US" dirty="0" smtClean="0"/>
+              <a:t>逻辑模型</a:t>
+            </a:r>
+            <a:endParaRPr lang="zh-CN" altLang="en-US" dirty="0"/>
+          </a:p>
+        </p:txBody>
+      </p:sp>
+      <p:graphicFrame>
+        <p:nvGraphicFramePr>
+          <p:cNvPr id="4" name="表格 3"/>
+          <p:cNvGraphicFramePr>
+            <a:graphicFrameLocks noGrp="1"/>
+          </p:cNvGraphicFramePr>
+          <p:nvPr>
+            <p:extLst>
+              <p:ext uri="{D42A27DB-BD31-4B8C-83A1-F6EECF244321}">
+                <p14:modId xmlns:p14="http://schemas.microsoft.com/office/powerpoint/2010/main" val="3984566576"/>
+              </p:ext>
+            </p:extLst>
+          </p:nvPr>
+        </p:nvGraphicFramePr>
+        <p:xfrm>
+          <a:off x="683568" y="620688"/>
+          <a:ext cx="7704856" cy="4847507"/>
+        </p:xfrm>
+        <a:graphic>
+          <a:graphicData uri="http://schemas.openxmlformats.org/drawingml/2006/table">
+            <a:tbl>
+              <a:tblPr firstRow="1" firstCol="1" bandRow="1">
+                <a:tableStyleId>{93296810-A885-4BE3-A3E7-6D5BEEA58F35}</a:tableStyleId>
+              </a:tblPr>
+              <a:tblGrid>
+                <a:gridCol w="1308912">
+                  <a:extLst>
+                    <a:ext uri="{9D8B030D-6E8A-4147-A177-3AD203B41FA5}">
+                      <a16:colId xmlns:a16="http://schemas.microsoft.com/office/drawing/2014/main" val="20000"/>
+                    </a:ext>
+                  </a:extLst>
+                </a:gridCol>
+                <a:gridCol w="1841883">
+                  <a:extLst>
+                    <a:ext uri="{9D8B030D-6E8A-4147-A177-3AD203B41FA5}">
+                      <a16:colId xmlns:a16="http://schemas.microsoft.com/office/drawing/2014/main" val="20001"/>
+                    </a:ext>
+                  </a:extLst>
+                </a:gridCol>
+                <a:gridCol w="1767366">
+                  <a:extLst>
+                    <a:ext uri="{9D8B030D-6E8A-4147-A177-3AD203B41FA5}">
+                      <a16:colId xmlns:a16="http://schemas.microsoft.com/office/drawing/2014/main" val="20002"/>
+                    </a:ext>
+                  </a:extLst>
+                </a:gridCol>
+                <a:gridCol w="2786695">
+                  <a:extLst>
+                    <a:ext uri="{9D8B030D-6E8A-4147-A177-3AD203B41FA5}">
+                      <a16:colId xmlns:a16="http://schemas.microsoft.com/office/drawing/2014/main" val="20003"/>
+                    </a:ext>
+                  </a:extLst>
+                </a:gridCol>
+              </a:tblGrid>
+              <a:tr h="854085">
+                <a:tc>
+                  <a:txBody>
+                    <a:bodyPr/>
+                    <a:lstStyle/>
+                    <a:p>
+                      <a:pPr algn="ctr">
+                        <a:lnSpc>
+                          <a:spcPts val="1900"/>
+                        </a:lnSpc>
+                        <a:spcAft>
+                          <a:spcPts val="0"/>
+                        </a:spcAft>
+                      </a:pPr>
+                      <a:r>
+                        <a:rPr lang="zh-CN" sz="1100" b="0" kern="0" dirty="0">
+                          <a:solidFill>
+                            <a:srgbClr val="282828"/>
+                          </a:solidFill>
+                          <a:effectLst/>
+                          <a:latin typeface="+mn-ea"/>
+                          <a:ea typeface="+mn-ea"/>
+                        </a:rPr>
+                        <a:t>背景</a:t>
+                      </a:r>
+                      <a:endParaRPr lang="zh-CN" sz="1100" b="0" kern="100" dirty="0">
+                        <a:solidFill>
+                          <a:srgbClr val="282828"/>
+                        </a:solidFill>
+                        <a:effectLst/>
+                        <a:latin typeface="+mn-ea"/>
+                        <a:ea typeface="+mn-ea"/>
+                        <a:cs typeface="Times New Roman"/>
+                      </a:endParaRPr>
+                    </a:p>
+                  </a:txBody>
+                  <a:tcPr marL="27270" marR="27270" marT="0" marB="0" anchor="ctr">
+                    <a:lnL w="12700" cap="flat" cmpd="sng" algn="ctr">
+                      <a:solidFill>
+                        <a:schemeClr val="tx1"/>
+                      </a:solidFill>
+                      <a:prstDash val="solid"/>
+                      <a:round/>
+                      <a:headEnd type="none" w="med" len="med"/>
+                      <a:tailEnd type="none" w="med" len="med"/>
+                    </a:lnL>
+                    <a:lnR w="12700" cap="flat" cmpd="sng" algn="ctr">
+                      <a:solidFill>
+                        <a:schemeClr val="tx1"/>
+                      </a:solidFill>
+                      <a:prstDash val="solid"/>
+                      <a:round/>
+                      <a:headEnd type="none" w="med" len="med"/>
+                      <a:tailEnd type="none" w="med" len="med"/>
+                    </a:lnR>
+                    <a:lnT w="12700" cap="flat" cmpd="sng" algn="ctr">
+                      <a:solidFill>
+                        <a:schemeClr val="tx1"/>
+                      </a:solidFill>
+                      <a:prstDash val="solid"/>
+                      <a:round/>
+                      <a:headEnd type="none" w="med" len="med"/>
+                      <a:tailEnd type="none" w="med" len="med"/>
+                    </a:lnT>
+                    <a:lnB w="12700" cap="flat" cmpd="sng" algn="ctr">
+                      <a:solidFill>
+                        <a:schemeClr val="tx1"/>
+                      </a:solidFill>
+                      <a:prstDash val="solid"/>
+                      <a:round/>
+                      <a:headEnd type="none" w="med" len="med"/>
+                      <a:tailEnd type="none" w="med" len="med"/>
+                    </a:lnB>
+                    <a:solidFill>
+                      <a:srgbClr val="E2C044"/>
+                    </a:solidFill>
+                  </a:tcPr>
+                </a:tc>
+                <a:tc gridSpan="3">
+                  <a:txBody>
+                    <a:bodyPr/>
+                    <a:lstStyle/>
+                    <a:p>
+                      <a:pPr algn="just">
+                        <a:lnSpc>
+                          <a:spcPts val="1900"/>
+                        </a:lnSpc>
+                        <a:spcAft>
+                          <a:spcPts val="0"/>
+                        </a:spcAft>
+                      </a:pPr>
+                      <a:r>
+                        <a:rPr lang="zh-CN" altLang="en-US" sz="1100" b="0" kern="0" dirty="0" smtClean="0">
+                          <a:solidFill>
+                            <a:srgbClr val="282828"/>
+                          </a:solidFill>
+                          <a:effectLst/>
+                          <a:latin typeface="+mn-ea"/>
+                          <a:ea typeface="+mn-ea"/>
+                          <a:cs typeface="+mn-cs"/>
+                        </a:rPr>
+                        <a:t>近年来，计算能力的大幅进步促进了</a:t>
+                      </a:r>
+                      <a:r>
+                        <a:rPr lang="en-US" altLang="zh-CN" sz="1100" b="0" kern="0" dirty="0" smtClean="0">
+                          <a:solidFill>
+                            <a:srgbClr val="282828"/>
+                          </a:solidFill>
+                          <a:effectLst/>
+                          <a:latin typeface="+mn-ea"/>
+                          <a:ea typeface="+mn-ea"/>
+                          <a:cs typeface="+mn-cs"/>
+                        </a:rPr>
+                        <a:t>AI</a:t>
+                      </a:r>
+                      <a:r>
+                        <a:rPr lang="zh-CN" altLang="en-US" sz="1100" b="0" kern="0" dirty="0" smtClean="0">
+                          <a:solidFill>
+                            <a:srgbClr val="282828"/>
+                          </a:solidFill>
+                          <a:effectLst/>
+                          <a:latin typeface="+mn-ea"/>
+                          <a:ea typeface="+mn-ea"/>
+                          <a:cs typeface="+mn-cs"/>
+                        </a:rPr>
+                        <a:t>技术发展，谷歌母公司</a:t>
+                      </a:r>
+                      <a:r>
+                        <a:rPr lang="en-US" altLang="zh-CN" sz="1100" b="0" kern="0" dirty="0" smtClean="0">
+                          <a:solidFill>
+                            <a:srgbClr val="282828"/>
+                          </a:solidFill>
+                          <a:effectLst/>
+                          <a:latin typeface="+mn-ea"/>
+                          <a:ea typeface="+mn-ea"/>
+                          <a:cs typeface="+mn-cs"/>
+                        </a:rPr>
+                        <a:t>Alphabet</a:t>
+                      </a:r>
+                      <a:r>
+                        <a:rPr lang="zh-CN" altLang="en-US" sz="1100" b="0" kern="0" dirty="0" smtClean="0">
+                          <a:solidFill>
+                            <a:srgbClr val="282828"/>
+                          </a:solidFill>
+                          <a:effectLst/>
+                          <a:latin typeface="+mn-ea"/>
+                          <a:ea typeface="+mn-ea"/>
+                          <a:cs typeface="+mn-cs"/>
+                        </a:rPr>
+                        <a:t>、亚马逊、苹果、</a:t>
+                      </a:r>
+                      <a:r>
+                        <a:rPr lang="en-US" altLang="zh-CN" sz="1100" b="0" kern="0" dirty="0" smtClean="0">
+                          <a:solidFill>
+                            <a:srgbClr val="282828"/>
+                          </a:solidFill>
+                          <a:effectLst/>
+                          <a:latin typeface="+mn-ea"/>
+                          <a:ea typeface="+mn-ea"/>
+                          <a:cs typeface="+mn-cs"/>
+                        </a:rPr>
+                        <a:t>Facebook</a:t>
+                      </a:r>
+                      <a:r>
+                        <a:rPr lang="zh-CN" altLang="en-US" sz="1100" b="0" kern="0" dirty="0" smtClean="0">
+                          <a:solidFill>
+                            <a:srgbClr val="282828"/>
+                          </a:solidFill>
+                          <a:effectLst/>
+                          <a:latin typeface="+mn-ea"/>
+                          <a:ea typeface="+mn-ea"/>
+                          <a:cs typeface="+mn-cs"/>
+                        </a:rPr>
+                        <a:t>以及微软等科技巨头争先进入这个领域。</a:t>
+                      </a:r>
+                      <a:r>
+                        <a:rPr lang="en-US" altLang="zh-CN" sz="1100" b="0" kern="0" dirty="0" smtClean="0">
+                          <a:solidFill>
+                            <a:srgbClr val="282828"/>
+                          </a:solidFill>
+                          <a:effectLst/>
+                          <a:latin typeface="+mn-ea"/>
+                          <a:ea typeface="+mn-ea"/>
+                          <a:cs typeface="+mn-cs"/>
+                        </a:rPr>
+                        <a:t>DeepMind</a:t>
+                      </a:r>
+                      <a:r>
+                        <a:rPr lang="zh-CN" altLang="en-US" sz="1100" b="0" kern="0" dirty="0" smtClean="0">
+                          <a:solidFill>
+                            <a:srgbClr val="282828"/>
+                          </a:solidFill>
+                          <a:effectLst/>
+                          <a:latin typeface="+mn-ea"/>
+                          <a:ea typeface="+mn-ea"/>
+                          <a:cs typeface="+mn-cs"/>
+                        </a:rPr>
+                        <a:t>开发的智能程序</a:t>
+                      </a:r>
+                      <a:r>
+                        <a:rPr lang="en-US" altLang="zh-CN" sz="1100" b="0" kern="0" dirty="0" err="1" smtClean="0">
+                          <a:solidFill>
+                            <a:srgbClr val="282828"/>
+                          </a:solidFill>
+                          <a:effectLst/>
+                          <a:latin typeface="+mn-ea"/>
+                          <a:ea typeface="+mn-ea"/>
+                          <a:cs typeface="+mn-cs"/>
+                        </a:rPr>
+                        <a:t>AlphaGo</a:t>
+                      </a:r>
+                      <a:r>
+                        <a:rPr lang="en-US" altLang="zh-CN" sz="1100" b="0" kern="0" dirty="0" smtClean="0">
+                          <a:solidFill>
+                            <a:srgbClr val="282828"/>
+                          </a:solidFill>
+                          <a:effectLst/>
+                          <a:latin typeface="+mn-ea"/>
+                          <a:ea typeface="+mn-ea"/>
+                          <a:cs typeface="+mn-cs"/>
+                        </a:rPr>
+                        <a:t> Zero</a:t>
+                      </a:r>
+                      <a:r>
+                        <a:rPr lang="zh-CN" altLang="en-US" sz="1100" b="0" kern="0" dirty="0" smtClean="0">
+                          <a:solidFill>
+                            <a:srgbClr val="282828"/>
+                          </a:solidFill>
+                          <a:effectLst/>
+                          <a:latin typeface="+mn-ea"/>
+                          <a:ea typeface="+mn-ea"/>
+                          <a:cs typeface="+mn-cs"/>
+                        </a:rPr>
+                        <a:t>，通过自学打败了之前打败人类顶尖围棋冠军的</a:t>
+                      </a:r>
+                      <a:r>
+                        <a:rPr lang="en-US" altLang="zh-CN" sz="1100" b="0" kern="0" dirty="0" err="1" smtClean="0">
+                          <a:solidFill>
+                            <a:srgbClr val="282828"/>
+                          </a:solidFill>
+                          <a:effectLst/>
+                          <a:latin typeface="+mn-ea"/>
+                          <a:ea typeface="+mn-ea"/>
+                          <a:cs typeface="+mn-cs"/>
+                        </a:rPr>
+                        <a:t>AlphaGo</a:t>
+                      </a:r>
+                      <a:r>
+                        <a:rPr lang="en-US" altLang="zh-CN" sz="1100" b="0" kern="0" dirty="0" smtClean="0">
+                          <a:solidFill>
+                            <a:srgbClr val="282828"/>
+                          </a:solidFill>
+                          <a:effectLst/>
+                          <a:latin typeface="+mn-ea"/>
+                          <a:ea typeface="+mn-ea"/>
+                          <a:cs typeface="+mn-cs"/>
+                        </a:rPr>
+                        <a:t> master</a:t>
+                      </a:r>
+                      <a:r>
+                        <a:rPr lang="zh-CN" altLang="en-US" sz="1100" b="0" kern="0" dirty="0" smtClean="0">
+                          <a:solidFill>
+                            <a:srgbClr val="282828"/>
+                          </a:solidFill>
+                          <a:effectLst/>
+                          <a:latin typeface="+mn-ea"/>
+                          <a:ea typeface="+mn-ea"/>
+                          <a:cs typeface="+mn-cs"/>
+                        </a:rPr>
+                        <a:t>。神经网络、无人驾驶等技术终将改变人类的未来，而机械外骨骼会不会成为改变人类生活的一种科技呢？</a:t>
+                      </a:r>
+                      <a:endParaRPr lang="zh-CN" sz="1100" b="0" kern="100" dirty="0">
+                        <a:solidFill>
+                          <a:srgbClr val="282828"/>
+                        </a:solidFill>
+                        <a:effectLst/>
+                        <a:latin typeface="+mn-ea"/>
+                        <a:ea typeface="+mn-ea"/>
+                        <a:cs typeface="Times New Roman"/>
+                      </a:endParaRPr>
+                    </a:p>
+                  </a:txBody>
+                  <a:tcPr marL="27270" marR="27270" marT="0" marB="0" anchor="ctr">
+                    <a:lnL w="12700" cap="flat" cmpd="sng" algn="ctr">
+                      <a:solidFill>
+                        <a:schemeClr val="tx1"/>
+                      </a:solidFill>
+                      <a:prstDash val="solid"/>
+                      <a:round/>
+                      <a:headEnd type="none" w="med" len="med"/>
+                      <a:tailEnd type="none" w="med" len="med"/>
+                    </a:lnL>
+                    <a:lnR w="12700" cap="flat" cmpd="sng" algn="ctr">
+                      <a:solidFill>
+                        <a:schemeClr val="tx1"/>
+                      </a:solidFill>
+                      <a:prstDash val="solid"/>
+                      <a:round/>
+                      <a:headEnd type="none" w="med" len="med"/>
+                      <a:tailEnd type="none" w="med" len="med"/>
+                    </a:lnR>
+                    <a:lnT w="12700" cap="flat" cmpd="sng" algn="ctr">
+                      <a:solidFill>
+                        <a:schemeClr val="tx1"/>
+                      </a:solidFill>
+                      <a:prstDash val="solid"/>
+                      <a:round/>
+                      <a:headEnd type="none" w="med" len="med"/>
+                      <a:tailEnd type="none" w="med" len="med"/>
+                    </a:lnT>
+                    <a:lnB w="12700" cap="flat" cmpd="sng" algn="ctr">
+                      <a:solidFill>
+                        <a:schemeClr val="tx1"/>
+                      </a:solidFill>
+                      <a:prstDash val="solid"/>
+                      <a:round/>
+                      <a:headEnd type="none" w="med" len="med"/>
+                      <a:tailEnd type="none" w="med" len="med"/>
+                    </a:lnB>
+                    <a:solidFill>
+                      <a:srgbClr val="E2C044"/>
+                    </a:solidFill>
+                  </a:tcPr>
+                </a:tc>
+                <a:tc hMerge="1">
+                  <a:txBody>
+                    <a:bodyPr/>
+                    <a:lstStyle/>
+                    <a:p>
+                      <a:endParaRPr lang="zh-CN" altLang="en-US"/>
+                    </a:p>
+                  </a:txBody>
+                  <a:tcPr/>
+                </a:tc>
+                <a:tc hMerge="1">
+                  <a:txBody>
+                    <a:bodyPr/>
+                    <a:lstStyle/>
+                    <a:p>
+                      <a:endParaRPr lang="zh-CN" altLang="en-US"/>
+                    </a:p>
+                  </a:txBody>
+                  <a:tcPr/>
+                </a:tc>
+                <a:extLst>
+                  <a:ext uri="{0D108BD9-81ED-4DB2-BD59-A6C34878D82A}">
+                    <a16:rowId xmlns:a16="http://schemas.microsoft.com/office/drawing/2014/main" val="10000"/>
+                  </a:ext>
+                </a:extLst>
+              </a:tr>
+              <a:tr h="640564">
+                <a:tc>
+                  <a:txBody>
+                    <a:bodyPr/>
+                    <a:lstStyle/>
+                    <a:p>
+                      <a:pPr algn="ctr">
+                        <a:lnSpc>
+                          <a:spcPts val="1900"/>
+                        </a:lnSpc>
+                        <a:spcAft>
+                          <a:spcPts val="0"/>
+                        </a:spcAft>
+                      </a:pPr>
+                      <a:r>
+                        <a:rPr lang="zh-CN" sz="1100" b="0" kern="0" dirty="0">
+                          <a:solidFill>
+                            <a:srgbClr val="282828"/>
+                          </a:solidFill>
+                          <a:effectLst/>
+                          <a:latin typeface="+mn-ea"/>
+                          <a:ea typeface="+mn-ea"/>
+                        </a:rPr>
+                        <a:t>目标</a:t>
+                      </a:r>
+                      <a:endParaRPr lang="zh-CN" sz="1100" b="0" kern="100" dirty="0">
+                        <a:solidFill>
+                          <a:srgbClr val="282828"/>
+                        </a:solidFill>
+                        <a:effectLst/>
+                        <a:latin typeface="+mn-ea"/>
+                        <a:ea typeface="+mn-ea"/>
+                        <a:cs typeface="Times New Roman"/>
+                      </a:endParaRPr>
+                    </a:p>
+                  </a:txBody>
+                  <a:tcPr marL="27270" marR="27270" marT="0" marB="0" anchor="ctr">
+                    <a:lnL w="12700" cap="flat" cmpd="sng" algn="ctr">
+                      <a:solidFill>
+                        <a:schemeClr val="tx1"/>
+                      </a:solidFill>
+                      <a:prstDash val="solid"/>
+                      <a:round/>
+                      <a:headEnd type="none" w="med" len="med"/>
+                      <a:tailEnd type="none" w="med" len="med"/>
+                    </a:lnL>
+                    <a:lnR w="12700" cap="flat" cmpd="sng" algn="ctr">
+                      <a:solidFill>
+                        <a:schemeClr val="tx1"/>
+                      </a:solidFill>
+                      <a:prstDash val="solid"/>
+                      <a:round/>
+                      <a:headEnd type="none" w="med" len="med"/>
+                      <a:tailEnd type="none" w="med" len="med"/>
+                    </a:lnR>
+                    <a:lnT w="12700" cap="flat" cmpd="sng" algn="ctr">
+                      <a:solidFill>
+                        <a:schemeClr val="tx1"/>
+                      </a:solidFill>
+                      <a:prstDash val="solid"/>
+                      <a:round/>
+                      <a:headEnd type="none" w="med" len="med"/>
+                      <a:tailEnd type="none" w="med" len="med"/>
+                    </a:lnT>
+                    <a:lnB w="12700" cap="flat" cmpd="sng" algn="ctr">
+                      <a:solidFill>
+                        <a:schemeClr val="tx1"/>
+                      </a:solidFill>
+                      <a:prstDash val="solid"/>
+                      <a:round/>
+                      <a:headEnd type="none" w="med" len="med"/>
+                      <a:tailEnd type="none" w="med" len="med"/>
+                    </a:lnB>
+                    <a:solidFill>
+                      <a:srgbClr val="E2C044"/>
+                    </a:solidFill>
+                  </a:tcPr>
+                </a:tc>
+                <a:tc gridSpan="3">
+                  <a:txBody>
+                    <a:bodyPr/>
+                    <a:lstStyle/>
+                    <a:p>
+                      <a:pPr algn="just">
+                        <a:lnSpc>
+                          <a:spcPts val="1900"/>
+                        </a:lnSpc>
+                        <a:spcAft>
+                          <a:spcPts val="0"/>
+                        </a:spcAft>
+                      </a:pPr>
+                      <a:r>
+                        <a:rPr lang="zh-CN" altLang="en-US" sz="1100" b="0" kern="100" dirty="0" smtClean="0">
+                          <a:solidFill>
+                            <a:srgbClr val="282828"/>
+                          </a:solidFill>
+                          <a:effectLst/>
+                          <a:latin typeface="+mn-ea"/>
+                          <a:ea typeface="+mn-ea"/>
+                          <a:cs typeface="Times New Roman"/>
+                        </a:rPr>
+                        <a:t>出版产业分析报告，制定产业计划。</a:t>
+                      </a:r>
+                      <a:endParaRPr lang="en-US" altLang="zh-CN" sz="1100" b="0" kern="100" dirty="0" smtClean="0">
+                        <a:solidFill>
+                          <a:srgbClr val="282828"/>
+                        </a:solidFill>
+                        <a:effectLst/>
+                        <a:latin typeface="+mn-ea"/>
+                        <a:ea typeface="+mn-ea"/>
+                        <a:cs typeface="Times New Roman"/>
+                      </a:endParaRPr>
+                    </a:p>
+                    <a:p>
+                      <a:pPr algn="just">
+                        <a:lnSpc>
+                          <a:spcPts val="1900"/>
+                        </a:lnSpc>
+                        <a:spcAft>
+                          <a:spcPts val="0"/>
+                        </a:spcAft>
+                      </a:pPr>
+                      <a:r>
+                        <a:rPr lang="zh-CN" altLang="en-US" sz="1100" b="0" kern="100" dirty="0" smtClean="0">
+                          <a:solidFill>
+                            <a:srgbClr val="282828"/>
+                          </a:solidFill>
+                          <a:effectLst/>
+                          <a:latin typeface="+mn-ea"/>
+                          <a:ea typeface="+mn-ea"/>
+                          <a:cs typeface="Times New Roman"/>
+                        </a:rPr>
+                        <a:t>对机械外骨骼细分市场进行调研，寻找适合的商业模式和投资预算。</a:t>
+                      </a:r>
+                      <a:endParaRPr lang="en-US" altLang="zh-CN" sz="1100" b="0" kern="100" dirty="0" smtClean="0">
+                        <a:solidFill>
+                          <a:srgbClr val="282828"/>
+                        </a:solidFill>
+                        <a:effectLst/>
+                        <a:latin typeface="+mn-ea"/>
+                        <a:ea typeface="+mn-ea"/>
+                        <a:cs typeface="Times New Roman"/>
+                      </a:endParaRPr>
+                    </a:p>
+                    <a:p>
+                      <a:pPr algn="just">
+                        <a:lnSpc>
+                          <a:spcPts val="1900"/>
+                        </a:lnSpc>
+                        <a:spcAft>
+                          <a:spcPts val="0"/>
+                        </a:spcAft>
+                      </a:pPr>
+                      <a:r>
+                        <a:rPr lang="zh-CN" altLang="en-US" sz="1100" b="0" kern="100" dirty="0" smtClean="0">
+                          <a:solidFill>
+                            <a:srgbClr val="282828"/>
+                          </a:solidFill>
+                          <a:effectLst/>
+                          <a:latin typeface="+mn-ea"/>
+                          <a:ea typeface="+mn-ea"/>
+                          <a:cs typeface="Times New Roman"/>
+                        </a:rPr>
+                        <a:t>对机械外骨骼的技术进行分析，模拟机械外骨骼制造过程。</a:t>
+                      </a:r>
+                      <a:endParaRPr lang="zh-CN" sz="1100" b="0" kern="100" dirty="0">
+                        <a:solidFill>
+                          <a:srgbClr val="282828"/>
+                        </a:solidFill>
+                        <a:effectLst/>
+                        <a:latin typeface="+mn-ea"/>
+                        <a:ea typeface="+mn-ea"/>
+                        <a:cs typeface="Times New Roman"/>
+                      </a:endParaRPr>
+                    </a:p>
+                  </a:txBody>
+                  <a:tcPr marL="27270" marR="27270" marT="0" marB="0" anchor="ctr">
+                    <a:lnL w="12700" cap="flat" cmpd="sng" algn="ctr">
+                      <a:solidFill>
+                        <a:schemeClr val="tx1"/>
+                      </a:solidFill>
+                      <a:prstDash val="solid"/>
+                      <a:round/>
+                      <a:headEnd type="none" w="med" len="med"/>
+                      <a:tailEnd type="none" w="med" len="med"/>
+                    </a:lnL>
+                    <a:lnR w="12700" cap="flat" cmpd="sng" algn="ctr">
+                      <a:solidFill>
+                        <a:schemeClr val="tx1"/>
+                      </a:solidFill>
+                      <a:prstDash val="solid"/>
+                      <a:round/>
+                      <a:headEnd type="none" w="med" len="med"/>
+                      <a:tailEnd type="none" w="med" len="med"/>
+                    </a:lnR>
+                    <a:lnT w="12700" cap="flat" cmpd="sng" algn="ctr">
+                      <a:solidFill>
+                        <a:schemeClr val="tx1"/>
+                      </a:solidFill>
+                      <a:prstDash val="solid"/>
+                      <a:round/>
+                      <a:headEnd type="none" w="med" len="med"/>
+                      <a:tailEnd type="none" w="med" len="med"/>
+                    </a:lnT>
+                    <a:lnB w="12700" cap="flat" cmpd="sng" algn="ctr">
+                      <a:solidFill>
+                        <a:schemeClr val="tx1"/>
+                      </a:solidFill>
+                      <a:prstDash val="solid"/>
+                      <a:round/>
+                      <a:headEnd type="none" w="med" len="med"/>
+                      <a:tailEnd type="none" w="med" len="med"/>
+                    </a:lnB>
+                    <a:solidFill>
+                      <a:srgbClr val="E2C044"/>
+                    </a:solidFill>
+                  </a:tcPr>
+                </a:tc>
+                <a:tc hMerge="1">
+                  <a:txBody>
+                    <a:bodyPr/>
+                    <a:lstStyle/>
+                    <a:p>
+                      <a:endParaRPr lang="zh-CN" altLang="en-US"/>
+                    </a:p>
+                  </a:txBody>
+                  <a:tcPr/>
+                </a:tc>
+                <a:tc hMerge="1">
+                  <a:txBody>
+                    <a:bodyPr/>
+                    <a:lstStyle/>
+                    <a:p>
+                      <a:endParaRPr lang="zh-CN" altLang="en-US"/>
+                    </a:p>
+                  </a:txBody>
+                  <a:tcPr/>
+                </a:tc>
+                <a:extLst>
+                  <a:ext uri="{0D108BD9-81ED-4DB2-BD59-A6C34878D82A}">
+                    <a16:rowId xmlns:a16="http://schemas.microsoft.com/office/drawing/2014/main" val="10001"/>
+                  </a:ext>
+                </a:extLst>
+              </a:tr>
+              <a:tr h="213521">
+                <a:tc>
+                  <a:txBody>
+                    <a:bodyPr/>
+                    <a:lstStyle/>
+                    <a:p>
+                      <a:pPr algn="ctr">
+                        <a:lnSpc>
+                          <a:spcPts val="1900"/>
+                        </a:lnSpc>
+                        <a:spcAft>
+                          <a:spcPts val="0"/>
+                        </a:spcAft>
+                      </a:pPr>
+                      <a:r>
+                        <a:rPr lang="zh-CN" sz="1100" b="0" kern="0" dirty="0">
+                          <a:solidFill>
+                            <a:srgbClr val="282828"/>
+                          </a:solidFill>
+                          <a:effectLst/>
+                          <a:latin typeface="+mn-ea"/>
+                          <a:ea typeface="+mn-ea"/>
+                        </a:rPr>
+                        <a:t>效果</a:t>
+                      </a:r>
+                      <a:endParaRPr lang="zh-CN" sz="1100" b="0" kern="100" dirty="0">
+                        <a:solidFill>
+                          <a:srgbClr val="282828"/>
+                        </a:solidFill>
+                        <a:effectLst/>
+                        <a:latin typeface="+mn-ea"/>
+                        <a:ea typeface="+mn-ea"/>
+                        <a:cs typeface="Times New Roman"/>
+                      </a:endParaRPr>
+                    </a:p>
+                  </a:txBody>
+                  <a:tcPr marL="27270" marR="27270" marT="0" marB="0" anchor="ctr">
+                    <a:lnL w="12700" cap="flat" cmpd="sng" algn="ctr">
+                      <a:solidFill>
+                        <a:schemeClr val="tx1"/>
+                      </a:solidFill>
+                      <a:prstDash val="solid"/>
+                      <a:round/>
+                      <a:headEnd type="none" w="med" len="med"/>
+                      <a:tailEnd type="none" w="med" len="med"/>
+                    </a:lnL>
+                    <a:lnR w="12700" cap="flat" cmpd="sng" algn="ctr">
+                      <a:solidFill>
+                        <a:schemeClr val="tx1"/>
+                      </a:solidFill>
+                      <a:prstDash val="solid"/>
+                      <a:round/>
+                      <a:headEnd type="none" w="med" len="med"/>
+                      <a:tailEnd type="none" w="med" len="med"/>
+                    </a:lnR>
+                    <a:lnT w="12700" cap="flat" cmpd="sng" algn="ctr">
+                      <a:solidFill>
+                        <a:schemeClr val="tx1"/>
+                      </a:solidFill>
+                      <a:prstDash val="solid"/>
+                      <a:round/>
+                      <a:headEnd type="none" w="med" len="med"/>
+                      <a:tailEnd type="none" w="med" len="med"/>
+                    </a:lnT>
+                    <a:lnB w="12700" cap="flat" cmpd="sng" algn="ctr">
+                      <a:solidFill>
+                        <a:schemeClr val="tx1"/>
+                      </a:solidFill>
+                      <a:prstDash val="solid"/>
+                      <a:round/>
+                      <a:headEnd type="none" w="med" len="med"/>
+                      <a:tailEnd type="none" w="med" len="med"/>
+                    </a:lnB>
+                    <a:solidFill>
+                      <a:srgbClr val="E2C044"/>
+                    </a:solidFill>
+                  </a:tcPr>
+                </a:tc>
+                <a:tc>
+                  <a:txBody>
+                    <a:bodyPr/>
+                    <a:lstStyle/>
+                    <a:p>
+                      <a:pPr algn="ctr">
+                        <a:lnSpc>
+                          <a:spcPts val="1900"/>
+                        </a:lnSpc>
+                        <a:spcAft>
+                          <a:spcPts val="0"/>
+                        </a:spcAft>
+                      </a:pPr>
+                      <a:r>
+                        <a:rPr lang="zh-CN" sz="1100" b="0" kern="0" dirty="0">
+                          <a:solidFill>
+                            <a:srgbClr val="282828"/>
+                          </a:solidFill>
+                          <a:effectLst/>
+                          <a:latin typeface="+mn-ea"/>
+                          <a:ea typeface="+mn-ea"/>
+                        </a:rPr>
+                        <a:t>输出</a:t>
+                      </a:r>
+                      <a:endParaRPr lang="zh-CN" sz="1100" b="0" kern="100" dirty="0">
+                        <a:solidFill>
+                          <a:srgbClr val="282828"/>
+                        </a:solidFill>
+                        <a:effectLst/>
+                        <a:latin typeface="+mn-ea"/>
+                        <a:ea typeface="+mn-ea"/>
+                        <a:cs typeface="Times New Roman"/>
+                      </a:endParaRPr>
+                    </a:p>
+                  </a:txBody>
+                  <a:tcPr marL="27270" marR="27270" marT="0" marB="0" anchor="ctr">
+                    <a:lnL w="12700" cap="flat" cmpd="sng" algn="ctr">
+                      <a:solidFill>
+                        <a:schemeClr val="tx1"/>
+                      </a:solidFill>
+                      <a:prstDash val="solid"/>
+                      <a:round/>
+                      <a:headEnd type="none" w="med" len="med"/>
+                      <a:tailEnd type="none" w="med" len="med"/>
+                    </a:lnL>
+                    <a:lnR w="12700" cap="flat" cmpd="sng" algn="ctr">
+                      <a:solidFill>
+                        <a:schemeClr val="tx1"/>
+                      </a:solidFill>
+                      <a:prstDash val="solid"/>
+                      <a:round/>
+                      <a:headEnd type="none" w="med" len="med"/>
+                      <a:tailEnd type="none" w="med" len="med"/>
+                    </a:lnR>
+                    <a:lnT w="12700" cap="flat" cmpd="sng" algn="ctr">
+                      <a:solidFill>
+                        <a:schemeClr val="tx1"/>
+                      </a:solidFill>
+                      <a:prstDash val="solid"/>
+                      <a:round/>
+                      <a:headEnd type="none" w="med" len="med"/>
+                      <a:tailEnd type="none" w="med" len="med"/>
+                    </a:lnT>
+                    <a:lnB w="12700" cap="flat" cmpd="sng" algn="ctr">
+                      <a:solidFill>
+                        <a:schemeClr val="tx1"/>
+                      </a:solidFill>
+                      <a:prstDash val="solid"/>
+                      <a:round/>
+                      <a:headEnd type="none" w="med" len="med"/>
+                      <a:tailEnd type="none" w="med" len="med"/>
+                    </a:lnB>
+                    <a:solidFill>
+                      <a:srgbClr val="E2C044"/>
+                    </a:solidFill>
+                  </a:tcPr>
+                </a:tc>
+                <a:tc>
+                  <a:txBody>
+                    <a:bodyPr/>
+                    <a:lstStyle/>
+                    <a:p>
+                      <a:pPr algn="ctr">
+                        <a:lnSpc>
+                          <a:spcPts val="1900"/>
+                        </a:lnSpc>
+                        <a:spcAft>
+                          <a:spcPts val="0"/>
+                        </a:spcAft>
+                      </a:pPr>
+                      <a:r>
+                        <a:rPr lang="zh-CN" sz="1100" b="0" kern="0" dirty="0">
+                          <a:solidFill>
+                            <a:srgbClr val="282828"/>
+                          </a:solidFill>
+                          <a:effectLst/>
+                          <a:latin typeface="+mn-ea"/>
+                          <a:ea typeface="+mn-ea"/>
+                        </a:rPr>
+                        <a:t>过程</a:t>
+                      </a:r>
+                      <a:endParaRPr lang="zh-CN" sz="1100" b="0" kern="100" dirty="0">
+                        <a:solidFill>
+                          <a:srgbClr val="282828"/>
+                        </a:solidFill>
+                        <a:effectLst/>
+                        <a:latin typeface="+mn-ea"/>
+                        <a:ea typeface="+mn-ea"/>
+                        <a:cs typeface="Times New Roman"/>
+                      </a:endParaRPr>
+                    </a:p>
+                  </a:txBody>
+                  <a:tcPr marL="27270" marR="27270" marT="0" marB="0" anchor="ctr">
+                    <a:lnL w="12700" cap="flat" cmpd="sng" algn="ctr">
+                      <a:solidFill>
+                        <a:schemeClr val="tx1"/>
+                      </a:solidFill>
+                      <a:prstDash val="solid"/>
+                      <a:round/>
+                      <a:headEnd type="none" w="med" len="med"/>
+                      <a:tailEnd type="none" w="med" len="med"/>
+                    </a:lnL>
+                    <a:lnR w="12700" cap="flat" cmpd="sng" algn="ctr">
+                      <a:solidFill>
+                        <a:schemeClr val="tx1"/>
+                      </a:solidFill>
+                      <a:prstDash val="solid"/>
+                      <a:round/>
+                      <a:headEnd type="none" w="med" len="med"/>
+                      <a:tailEnd type="none" w="med" len="med"/>
+                    </a:lnR>
+                    <a:lnT w="12700" cap="flat" cmpd="sng" algn="ctr">
+                      <a:solidFill>
+                        <a:schemeClr val="tx1"/>
+                      </a:solidFill>
+                      <a:prstDash val="solid"/>
+                      <a:round/>
+                      <a:headEnd type="none" w="med" len="med"/>
+                      <a:tailEnd type="none" w="med" len="med"/>
+                    </a:lnT>
+                    <a:lnB w="12700" cap="flat" cmpd="sng" algn="ctr">
+                      <a:solidFill>
+                        <a:schemeClr val="tx1"/>
+                      </a:solidFill>
+                      <a:prstDash val="solid"/>
+                      <a:round/>
+                      <a:headEnd type="none" w="med" len="med"/>
+                      <a:tailEnd type="none" w="med" len="med"/>
+                    </a:lnB>
+                    <a:solidFill>
+                      <a:srgbClr val="E2C044"/>
+                    </a:solidFill>
+                  </a:tcPr>
+                </a:tc>
+                <a:tc>
+                  <a:txBody>
+                    <a:bodyPr/>
+                    <a:lstStyle/>
+                    <a:p>
+                      <a:pPr algn="ctr">
+                        <a:lnSpc>
+                          <a:spcPts val="1900"/>
+                        </a:lnSpc>
+                        <a:spcAft>
+                          <a:spcPts val="0"/>
+                        </a:spcAft>
+                      </a:pPr>
+                      <a:r>
+                        <a:rPr lang="zh-CN" sz="1100" b="0" kern="0" dirty="0">
+                          <a:solidFill>
+                            <a:srgbClr val="282828"/>
+                          </a:solidFill>
+                          <a:effectLst/>
+                          <a:latin typeface="+mn-ea"/>
+                          <a:ea typeface="+mn-ea"/>
+                        </a:rPr>
+                        <a:t>输入</a:t>
+                      </a:r>
+                      <a:endParaRPr lang="zh-CN" sz="1100" b="0" kern="100" dirty="0">
+                        <a:solidFill>
+                          <a:srgbClr val="282828"/>
+                        </a:solidFill>
+                        <a:effectLst/>
+                        <a:latin typeface="+mn-ea"/>
+                        <a:ea typeface="+mn-ea"/>
+                        <a:cs typeface="Times New Roman"/>
+                      </a:endParaRPr>
+                    </a:p>
+                  </a:txBody>
+                  <a:tcPr marL="27270" marR="27270" marT="0" marB="0" anchor="ctr">
+                    <a:lnL w="12700" cap="flat" cmpd="sng" algn="ctr">
+                      <a:solidFill>
+                        <a:schemeClr val="tx1"/>
+                      </a:solidFill>
+                      <a:prstDash val="solid"/>
+                      <a:round/>
+                      <a:headEnd type="none" w="med" len="med"/>
+                      <a:tailEnd type="none" w="med" len="med"/>
+                    </a:lnL>
+                    <a:lnR w="12700" cap="flat" cmpd="sng" algn="ctr">
+                      <a:solidFill>
+                        <a:schemeClr val="tx1"/>
+                      </a:solidFill>
+                      <a:prstDash val="solid"/>
+                      <a:round/>
+                      <a:headEnd type="none" w="med" len="med"/>
+                      <a:tailEnd type="none" w="med" len="med"/>
+                    </a:lnR>
+                    <a:lnT w="12700" cap="flat" cmpd="sng" algn="ctr">
+                      <a:solidFill>
+                        <a:schemeClr val="tx1"/>
+                      </a:solidFill>
+                      <a:prstDash val="solid"/>
+                      <a:round/>
+                      <a:headEnd type="none" w="med" len="med"/>
+                      <a:tailEnd type="none" w="med" len="med"/>
+                    </a:lnT>
+                    <a:lnB w="12700" cap="flat" cmpd="sng" algn="ctr">
+                      <a:solidFill>
+                        <a:schemeClr val="tx1"/>
+                      </a:solidFill>
+                      <a:prstDash val="solid"/>
+                      <a:round/>
+                      <a:headEnd type="none" w="med" len="med"/>
+                      <a:tailEnd type="none" w="med" len="med"/>
+                    </a:lnB>
+                    <a:solidFill>
+                      <a:srgbClr val="E2C044"/>
+                    </a:solidFill>
+                  </a:tcPr>
+                </a:tc>
+                <a:extLst>
+                  <a:ext uri="{0D108BD9-81ED-4DB2-BD59-A6C34878D82A}">
+                    <a16:rowId xmlns:a16="http://schemas.microsoft.com/office/drawing/2014/main" val="10002"/>
+                  </a:ext>
+                </a:extLst>
+              </a:tr>
+              <a:tr h="2348734">
+                <a:tc>
+                  <a:txBody>
+                    <a:bodyPr/>
+                    <a:lstStyle/>
+                    <a:p>
+                      <a:pPr algn="just">
+                        <a:lnSpc>
+                          <a:spcPts val="1900"/>
+                        </a:lnSpc>
+                        <a:spcAft>
+                          <a:spcPts val="0"/>
+                        </a:spcAft>
+                      </a:pPr>
+                      <a:r>
+                        <a:rPr lang="en-US" sz="1100" b="0" kern="0" dirty="0" smtClean="0">
+                          <a:solidFill>
+                            <a:srgbClr val="282828"/>
+                          </a:solidFill>
+                          <a:effectLst/>
+                          <a:latin typeface="+mn-ea"/>
+                          <a:ea typeface="+mn-ea"/>
+                        </a:rPr>
+                        <a:t>*</a:t>
+                      </a:r>
+                      <a:r>
+                        <a:rPr lang="zh-CN" altLang="en-US" sz="1100" b="0" kern="0" dirty="0" smtClean="0">
+                          <a:solidFill>
+                            <a:srgbClr val="282828"/>
+                          </a:solidFill>
+                          <a:effectLst/>
+                          <a:latin typeface="+mn-ea"/>
+                          <a:ea typeface="+mn-ea"/>
+                        </a:rPr>
+                        <a:t>可以作为项目企划书使用</a:t>
+                      </a:r>
+                      <a:endParaRPr lang="zh-CN" sz="1100" b="0" kern="100" dirty="0">
+                        <a:solidFill>
+                          <a:srgbClr val="282828"/>
+                        </a:solidFill>
+                        <a:effectLst/>
+                        <a:latin typeface="+mn-ea"/>
+                        <a:ea typeface="+mn-ea"/>
+                      </a:endParaRPr>
+                    </a:p>
+                    <a:p>
+                      <a:pPr algn="just">
+                        <a:lnSpc>
+                          <a:spcPts val="1900"/>
+                        </a:lnSpc>
+                        <a:spcAft>
+                          <a:spcPts val="0"/>
+                        </a:spcAft>
+                      </a:pPr>
+                      <a:r>
+                        <a:rPr lang="en-US" sz="1100" b="0" kern="0" dirty="0">
+                          <a:solidFill>
+                            <a:srgbClr val="282828"/>
+                          </a:solidFill>
+                          <a:effectLst/>
+                          <a:latin typeface="+mn-ea"/>
+                          <a:ea typeface="+mn-ea"/>
+                        </a:rPr>
+                        <a:t> </a:t>
+                      </a:r>
+                      <a:r>
+                        <a:rPr lang="en-US" sz="1100" b="0" kern="0" dirty="0" smtClean="0">
+                          <a:solidFill>
+                            <a:srgbClr val="282828"/>
+                          </a:solidFill>
+                          <a:effectLst/>
+                          <a:latin typeface="+mn-ea"/>
+                          <a:ea typeface="+mn-ea"/>
+                        </a:rPr>
+                        <a:t>*</a:t>
+                      </a:r>
+                      <a:r>
+                        <a:rPr lang="zh-CN" sz="1100" b="0" kern="0" dirty="0" smtClean="0">
+                          <a:solidFill>
+                            <a:srgbClr val="282828"/>
+                          </a:solidFill>
+                          <a:effectLst/>
+                          <a:latin typeface="+mn-ea"/>
+                          <a:ea typeface="+mn-ea"/>
+                        </a:rPr>
+                        <a:t>形成</a:t>
+                      </a:r>
+                      <a:r>
+                        <a:rPr lang="zh-CN" altLang="en-US" sz="1100" b="0" kern="0" dirty="0" smtClean="0">
+                          <a:solidFill>
+                            <a:srgbClr val="282828"/>
+                          </a:solidFill>
+                          <a:effectLst/>
+                          <a:latin typeface="+mn-ea"/>
+                          <a:ea typeface="+mn-ea"/>
+                        </a:rPr>
+                        <a:t>小组工作流程，团队管理方法，可以延伸至企业管理。</a:t>
+                      </a:r>
+                      <a:endParaRPr lang="zh-CN" sz="1100" b="0" kern="100" dirty="0">
+                        <a:solidFill>
+                          <a:srgbClr val="282828"/>
+                        </a:solidFill>
+                        <a:effectLst/>
+                        <a:latin typeface="+mn-ea"/>
+                        <a:ea typeface="+mn-ea"/>
+                      </a:endParaRPr>
+                    </a:p>
+                    <a:p>
+                      <a:pPr algn="just">
+                        <a:lnSpc>
+                          <a:spcPts val="1900"/>
+                        </a:lnSpc>
+                        <a:spcAft>
+                          <a:spcPts val="0"/>
+                        </a:spcAft>
+                      </a:pPr>
+                      <a:r>
+                        <a:rPr lang="en-US" sz="1100" b="0" kern="0" dirty="0">
+                          <a:solidFill>
+                            <a:srgbClr val="282828"/>
+                          </a:solidFill>
+                          <a:effectLst/>
+                          <a:latin typeface="+mn-ea"/>
+                          <a:ea typeface="+mn-ea"/>
+                        </a:rPr>
+                        <a:t> </a:t>
+                      </a:r>
+                      <a:r>
+                        <a:rPr lang="en-US" sz="1100" b="0" kern="0" dirty="0" smtClean="0">
+                          <a:solidFill>
+                            <a:srgbClr val="282828"/>
+                          </a:solidFill>
+                          <a:effectLst/>
+                          <a:latin typeface="+mn-ea"/>
+                          <a:ea typeface="+mn-ea"/>
+                        </a:rPr>
+                        <a:t>*</a:t>
+                      </a:r>
+                      <a:r>
+                        <a:rPr lang="zh-CN" sz="1100" b="0" kern="0" dirty="0" smtClean="0">
+                          <a:solidFill>
+                            <a:srgbClr val="282828"/>
+                          </a:solidFill>
+                          <a:effectLst/>
+                          <a:latin typeface="+mn-ea"/>
+                          <a:ea typeface="+mn-ea"/>
+                        </a:rPr>
+                        <a:t>通过</a:t>
+                      </a:r>
+                      <a:r>
+                        <a:rPr lang="zh-CN" altLang="en-US" sz="1100" b="0" kern="0" dirty="0" smtClean="0">
+                          <a:solidFill>
+                            <a:srgbClr val="282828"/>
+                          </a:solidFill>
+                          <a:effectLst/>
+                          <a:latin typeface="+mn-ea"/>
+                          <a:ea typeface="+mn-ea"/>
+                        </a:rPr>
+                        <a:t>数据整理</a:t>
+                      </a:r>
+                      <a:r>
+                        <a:rPr lang="zh-CN" sz="1100" b="0" kern="0" dirty="0" smtClean="0">
+                          <a:solidFill>
+                            <a:srgbClr val="282828"/>
+                          </a:solidFill>
+                          <a:effectLst/>
+                          <a:latin typeface="+mn-ea"/>
+                          <a:ea typeface="+mn-ea"/>
+                        </a:rPr>
+                        <a:t>和</a:t>
+                      </a:r>
+                      <a:r>
+                        <a:rPr lang="zh-CN" altLang="en-US" sz="1100" b="0" kern="0" dirty="0" smtClean="0">
+                          <a:solidFill>
+                            <a:srgbClr val="282828"/>
+                          </a:solidFill>
+                          <a:effectLst/>
+                          <a:latin typeface="+mn-ea"/>
+                          <a:ea typeface="+mn-ea"/>
+                        </a:rPr>
+                        <a:t>案例分析，综合策划。树立产业报告权威性。</a:t>
+                      </a:r>
+                      <a:endParaRPr lang="zh-CN" sz="1100" b="0" kern="100" dirty="0">
+                        <a:solidFill>
+                          <a:srgbClr val="282828"/>
+                        </a:solidFill>
+                        <a:effectLst/>
+                        <a:latin typeface="+mn-ea"/>
+                        <a:ea typeface="+mn-ea"/>
+                        <a:cs typeface="Times New Roman"/>
+                      </a:endParaRPr>
+                    </a:p>
+                  </a:txBody>
+                  <a:tcPr marL="27270" marR="27270" marT="0" marB="0" anchor="ctr">
+                    <a:lnL w="12700" cap="flat" cmpd="sng" algn="ctr">
+                      <a:solidFill>
+                        <a:schemeClr val="tx1"/>
+                      </a:solidFill>
+                      <a:prstDash val="solid"/>
+                      <a:round/>
+                      <a:headEnd type="none" w="med" len="med"/>
+                      <a:tailEnd type="none" w="med" len="med"/>
+                    </a:lnL>
+                    <a:lnR w="12700" cap="flat" cmpd="sng" algn="ctr">
+                      <a:solidFill>
+                        <a:schemeClr val="tx1"/>
+                      </a:solidFill>
+                      <a:prstDash val="solid"/>
+                      <a:round/>
+                      <a:headEnd type="none" w="med" len="med"/>
+                      <a:tailEnd type="none" w="med" len="med"/>
+                    </a:lnR>
+                    <a:lnT w="12700" cap="flat" cmpd="sng" algn="ctr">
+                      <a:solidFill>
+                        <a:schemeClr val="tx1"/>
+                      </a:solidFill>
+                      <a:prstDash val="solid"/>
+                      <a:round/>
+                      <a:headEnd type="none" w="med" len="med"/>
+                      <a:tailEnd type="none" w="med" len="med"/>
+                    </a:lnT>
+                    <a:lnB w="12700" cap="flat" cmpd="sng" algn="ctr">
+                      <a:solidFill>
+                        <a:schemeClr val="tx1"/>
+                      </a:solidFill>
+                      <a:prstDash val="solid"/>
+                      <a:round/>
+                      <a:headEnd type="none" w="med" len="med"/>
+                      <a:tailEnd type="none" w="med" len="med"/>
+                    </a:lnB>
+                    <a:solidFill>
+                      <a:srgbClr val="E2C044"/>
+                    </a:solidFill>
+                  </a:tcPr>
+                </a:tc>
+                <a:tc>
+                  <a:txBody>
+                    <a:bodyPr/>
+                    <a:lstStyle/>
+                    <a:p>
+                      <a:pPr algn="just">
+                        <a:lnSpc>
+                          <a:spcPts val="1900"/>
+                        </a:lnSpc>
+                        <a:spcAft>
+                          <a:spcPts val="0"/>
+                        </a:spcAft>
+                      </a:pPr>
+                      <a:r>
+                        <a:rPr lang="en-US" sz="1100" b="0" kern="0" dirty="0" smtClean="0">
+                          <a:solidFill>
+                            <a:srgbClr val="282828"/>
+                          </a:solidFill>
+                          <a:effectLst/>
+                          <a:latin typeface="+mn-ea"/>
+                          <a:ea typeface="+mn-ea"/>
+                        </a:rPr>
+                        <a:t>*</a:t>
+                      </a:r>
+                      <a:r>
+                        <a:rPr lang="zh-CN" altLang="en-US" sz="1100" b="0" kern="0" dirty="0" smtClean="0">
+                          <a:solidFill>
+                            <a:srgbClr val="282828"/>
+                          </a:solidFill>
+                          <a:effectLst/>
+                          <a:latin typeface="+mn-ea"/>
+                          <a:ea typeface="+mn-ea"/>
+                        </a:rPr>
+                        <a:t>机械外骨骼产业分析报告</a:t>
+                      </a:r>
+                      <a:r>
+                        <a:rPr lang="zh-CN" sz="1100" b="0" kern="0" dirty="0" smtClean="0">
+                          <a:solidFill>
+                            <a:srgbClr val="282828"/>
+                          </a:solidFill>
+                          <a:effectLst/>
+                          <a:latin typeface="+mn-ea"/>
+                          <a:ea typeface="+mn-ea"/>
+                        </a:rPr>
+                        <a:t>，</a:t>
+                      </a:r>
+                      <a:r>
+                        <a:rPr lang="zh-CN" sz="1100" b="0" kern="0" dirty="0">
+                          <a:solidFill>
+                            <a:srgbClr val="282828"/>
+                          </a:solidFill>
+                          <a:effectLst/>
+                          <a:latin typeface="+mn-ea"/>
+                          <a:ea typeface="+mn-ea"/>
+                        </a:rPr>
+                        <a:t>并且积累过程迭代版本。</a:t>
+                      </a:r>
+                      <a:endParaRPr lang="zh-CN" sz="1100" b="0" kern="100" dirty="0">
+                        <a:solidFill>
+                          <a:srgbClr val="282828"/>
+                        </a:solidFill>
+                        <a:effectLst/>
+                        <a:latin typeface="+mn-ea"/>
+                        <a:ea typeface="+mn-ea"/>
+                      </a:endParaRPr>
+                    </a:p>
+                    <a:p>
+                      <a:pPr algn="just">
+                        <a:lnSpc>
+                          <a:spcPts val="1900"/>
+                        </a:lnSpc>
+                        <a:spcAft>
+                          <a:spcPts val="0"/>
+                        </a:spcAft>
+                      </a:pPr>
+                      <a:r>
+                        <a:rPr lang="en-US" sz="1100" b="0" kern="0" dirty="0" smtClean="0">
+                          <a:solidFill>
+                            <a:srgbClr val="282828"/>
+                          </a:solidFill>
+                          <a:effectLst/>
+                          <a:latin typeface="+mn-ea"/>
+                          <a:ea typeface="+mn-ea"/>
+                        </a:rPr>
+                        <a:t>*</a:t>
+                      </a:r>
+                      <a:r>
+                        <a:rPr lang="zh-CN" altLang="en-US" sz="1100" b="0" kern="0" dirty="0" smtClean="0">
+                          <a:solidFill>
+                            <a:srgbClr val="282828"/>
+                          </a:solidFill>
+                          <a:effectLst/>
+                          <a:latin typeface="+mn-ea"/>
+                          <a:ea typeface="+mn-ea"/>
+                        </a:rPr>
+                        <a:t>商业模式规划。</a:t>
+                      </a:r>
+                      <a:endParaRPr lang="en-US" altLang="zh-CN" sz="1100" b="0" kern="0" dirty="0" smtClean="0">
+                        <a:solidFill>
+                          <a:srgbClr val="282828"/>
+                        </a:solidFill>
+                        <a:effectLst/>
+                        <a:latin typeface="+mn-ea"/>
+                        <a:ea typeface="+mn-ea"/>
+                      </a:endParaRPr>
+                    </a:p>
+                    <a:p>
+                      <a:pPr algn="just">
+                        <a:lnSpc>
+                          <a:spcPts val="1900"/>
+                        </a:lnSpc>
+                        <a:spcAft>
+                          <a:spcPts val="0"/>
+                        </a:spcAft>
+                      </a:pPr>
+                      <a:r>
+                        <a:rPr lang="zh-CN" altLang="en-US" sz="1100" b="0" kern="0" dirty="0" smtClean="0">
+                          <a:solidFill>
+                            <a:srgbClr val="282828"/>
+                          </a:solidFill>
+                          <a:effectLst/>
+                          <a:latin typeface="+mn-ea"/>
+                          <a:ea typeface="+mn-ea"/>
+                        </a:rPr>
+                        <a:t>*技术调研，模拟实现。</a:t>
+                      </a:r>
+                      <a:endParaRPr lang="zh-CN" sz="1100" b="0" kern="100" dirty="0">
+                        <a:solidFill>
+                          <a:srgbClr val="282828"/>
+                        </a:solidFill>
+                        <a:effectLst/>
+                        <a:latin typeface="+mn-ea"/>
+                        <a:ea typeface="+mn-ea"/>
+                      </a:endParaRPr>
+                    </a:p>
+                    <a:p>
+                      <a:pPr algn="just">
+                        <a:lnSpc>
+                          <a:spcPts val="1900"/>
+                        </a:lnSpc>
+                        <a:spcAft>
+                          <a:spcPts val="0"/>
+                        </a:spcAft>
+                      </a:pPr>
+                      <a:r>
+                        <a:rPr lang="en-US" sz="1100" b="0" kern="0" dirty="0" smtClean="0">
+                          <a:solidFill>
+                            <a:srgbClr val="282828"/>
+                          </a:solidFill>
+                          <a:effectLst/>
+                          <a:latin typeface="+mn-ea"/>
+                          <a:ea typeface="+mn-ea"/>
+                        </a:rPr>
+                        <a:t>*</a:t>
+                      </a:r>
+                      <a:r>
+                        <a:rPr lang="zh-CN" altLang="en-US" sz="1100" b="0" kern="0" dirty="0" smtClean="0">
+                          <a:solidFill>
+                            <a:srgbClr val="282828"/>
+                          </a:solidFill>
+                          <a:effectLst/>
+                          <a:latin typeface="+mn-ea"/>
+                          <a:ea typeface="+mn-ea"/>
+                        </a:rPr>
+                        <a:t>团队工作大纲，工作流、小组会议记录。</a:t>
+                      </a:r>
+                      <a:endParaRPr lang="en-US" altLang="zh-CN" sz="1100" b="0" kern="0" dirty="0" smtClean="0">
+                        <a:solidFill>
+                          <a:srgbClr val="282828"/>
+                        </a:solidFill>
+                        <a:effectLst/>
+                        <a:latin typeface="+mn-ea"/>
+                        <a:ea typeface="+mn-ea"/>
+                      </a:endParaRPr>
+                    </a:p>
+                    <a:p>
+                      <a:pPr algn="just">
+                        <a:lnSpc>
+                          <a:spcPts val="1900"/>
+                        </a:lnSpc>
+                        <a:spcAft>
+                          <a:spcPts val="0"/>
+                        </a:spcAft>
+                      </a:pPr>
+                      <a:r>
+                        <a:rPr lang="zh-CN" altLang="en-US" sz="1100" b="0" kern="0" dirty="0" smtClean="0">
+                          <a:solidFill>
+                            <a:srgbClr val="282828"/>
+                          </a:solidFill>
+                          <a:effectLst/>
+                          <a:latin typeface="+mn-ea"/>
+                          <a:ea typeface="+mn-ea"/>
+                          <a:cs typeface="Times New Roman"/>
+                        </a:rPr>
+                        <a:t>*参考文献整理</a:t>
+                      </a:r>
+                      <a:endParaRPr lang="en-US" altLang="zh-CN" sz="1100" b="0" kern="0" dirty="0" smtClean="0">
+                        <a:solidFill>
+                          <a:srgbClr val="282828"/>
+                        </a:solidFill>
+                        <a:effectLst/>
+                        <a:latin typeface="+mn-ea"/>
+                        <a:ea typeface="+mn-ea"/>
+                        <a:cs typeface="Times New Roman"/>
+                      </a:endParaRPr>
+                    </a:p>
+                    <a:p>
+                      <a:pPr algn="just">
+                        <a:lnSpc>
+                          <a:spcPts val="1900"/>
+                        </a:lnSpc>
+                        <a:spcAft>
+                          <a:spcPts val="0"/>
+                        </a:spcAft>
+                      </a:pPr>
+                      <a:r>
+                        <a:rPr lang="zh-CN" altLang="en-US" sz="1100" b="0" kern="0" dirty="0" smtClean="0">
+                          <a:solidFill>
+                            <a:srgbClr val="282828"/>
+                          </a:solidFill>
+                          <a:effectLst/>
+                          <a:latin typeface="+mn-ea"/>
+                          <a:ea typeface="+mn-ea"/>
+                          <a:cs typeface="Times New Roman"/>
+                        </a:rPr>
+                        <a:t>*图表收集、制作、统计。</a:t>
+                      </a:r>
+                      <a:endParaRPr lang="zh-CN" sz="1100" b="0" kern="100" dirty="0">
+                        <a:solidFill>
+                          <a:srgbClr val="282828"/>
+                        </a:solidFill>
+                        <a:effectLst/>
+                        <a:latin typeface="+mn-ea"/>
+                        <a:ea typeface="+mn-ea"/>
+                        <a:cs typeface="Times New Roman"/>
+                      </a:endParaRPr>
+                    </a:p>
+                  </a:txBody>
+                  <a:tcPr marL="27270" marR="27270" marT="0" marB="0" anchor="ctr">
+                    <a:lnL w="12700" cap="flat" cmpd="sng" algn="ctr">
+                      <a:solidFill>
+                        <a:schemeClr val="tx1"/>
+                      </a:solidFill>
+                      <a:prstDash val="solid"/>
+                      <a:round/>
+                      <a:headEnd type="none" w="med" len="med"/>
+                      <a:tailEnd type="none" w="med" len="med"/>
+                    </a:lnL>
+                    <a:lnR w="12700" cap="flat" cmpd="sng" algn="ctr">
+                      <a:solidFill>
+                        <a:schemeClr val="tx1"/>
+                      </a:solidFill>
+                      <a:prstDash val="solid"/>
+                      <a:round/>
+                      <a:headEnd type="none" w="med" len="med"/>
+                      <a:tailEnd type="none" w="med" len="med"/>
+                    </a:lnR>
+                    <a:lnT w="12700" cap="flat" cmpd="sng" algn="ctr">
+                      <a:solidFill>
+                        <a:schemeClr val="tx1"/>
+                      </a:solidFill>
+                      <a:prstDash val="solid"/>
+                      <a:round/>
+                      <a:headEnd type="none" w="med" len="med"/>
+                      <a:tailEnd type="none" w="med" len="med"/>
+                    </a:lnT>
+                    <a:lnB w="12700" cap="flat" cmpd="sng" algn="ctr">
+                      <a:solidFill>
+                        <a:schemeClr val="tx1"/>
+                      </a:solidFill>
+                      <a:prstDash val="solid"/>
+                      <a:round/>
+                      <a:headEnd type="none" w="med" len="med"/>
+                      <a:tailEnd type="none" w="med" len="med"/>
+                    </a:lnB>
+                    <a:solidFill>
+                      <a:srgbClr val="E2C044"/>
+                    </a:solidFill>
+                  </a:tcPr>
+                </a:tc>
+                <a:tc>
+                  <a:txBody>
+                    <a:bodyPr/>
+                    <a:lstStyle/>
+                    <a:p>
+                      <a:pPr marL="0" algn="just" defTabSz="914400" rtl="0" eaLnBrk="1" latinLnBrk="0" hangingPunct="1">
+                        <a:lnSpc>
+                          <a:spcPts val="1900"/>
+                        </a:lnSpc>
+                        <a:spcAft>
+                          <a:spcPts val="0"/>
+                        </a:spcAft>
+                      </a:pPr>
+                      <a:r>
+                        <a:rPr lang="en-US" altLang="zh-CN" sz="1100" b="0" kern="0" dirty="0" smtClean="0">
+                          <a:solidFill>
+                            <a:srgbClr val="282828"/>
+                          </a:solidFill>
+                          <a:effectLst/>
+                          <a:latin typeface="+mn-ea"/>
+                          <a:ea typeface="+mn-ea"/>
+                          <a:cs typeface="+mn-cs"/>
+                        </a:rPr>
+                        <a:t>一 </a:t>
+                      </a:r>
+                      <a:r>
+                        <a:rPr lang="en-US" altLang="zh-CN" sz="1100" b="0" kern="0" dirty="0" err="1" smtClean="0">
+                          <a:solidFill>
+                            <a:srgbClr val="282828"/>
+                          </a:solidFill>
+                          <a:effectLst/>
+                          <a:latin typeface="+mn-ea"/>
+                          <a:ea typeface="+mn-ea"/>
+                          <a:cs typeface="+mn-cs"/>
+                        </a:rPr>
+                        <a:t>产业概况</a:t>
+                      </a:r>
+                      <a:endParaRPr lang="zh-CN" altLang="zh-CN" sz="1100" b="0" kern="0" dirty="0" smtClean="0">
+                        <a:solidFill>
+                          <a:srgbClr val="282828"/>
+                        </a:solidFill>
+                        <a:effectLst/>
+                        <a:latin typeface="+mn-ea"/>
+                        <a:ea typeface="+mn-ea"/>
+                        <a:cs typeface="+mn-cs"/>
+                      </a:endParaRPr>
+                    </a:p>
+                    <a:p>
+                      <a:pPr marL="0" algn="just" defTabSz="914400" rtl="0" eaLnBrk="1" latinLnBrk="0" hangingPunct="1">
+                        <a:lnSpc>
+                          <a:spcPts val="1900"/>
+                        </a:lnSpc>
+                        <a:spcAft>
+                          <a:spcPts val="0"/>
+                        </a:spcAft>
+                      </a:pPr>
+                      <a:r>
+                        <a:rPr lang="en-US" altLang="zh-CN" sz="1100" b="0" kern="0" dirty="0" smtClean="0">
+                          <a:solidFill>
+                            <a:srgbClr val="282828"/>
+                          </a:solidFill>
+                          <a:effectLst/>
+                          <a:latin typeface="+mn-ea"/>
+                          <a:ea typeface="+mn-ea"/>
+                          <a:cs typeface="+mn-cs"/>
+                        </a:rPr>
+                        <a:t>二 </a:t>
+                      </a:r>
+                      <a:r>
+                        <a:rPr lang="en-US" altLang="zh-CN" sz="1100" b="0" kern="0" dirty="0" err="1" smtClean="0">
+                          <a:solidFill>
+                            <a:srgbClr val="282828"/>
+                          </a:solidFill>
+                          <a:effectLst/>
+                          <a:latin typeface="+mn-ea"/>
+                          <a:ea typeface="+mn-ea"/>
+                          <a:cs typeface="+mn-cs"/>
+                        </a:rPr>
+                        <a:t>产业环境和企业状况</a:t>
+                      </a:r>
+                      <a:r>
+                        <a:rPr lang="en-US" altLang="zh-CN" sz="1100" b="0" kern="0" dirty="0" smtClean="0">
+                          <a:solidFill>
+                            <a:srgbClr val="282828"/>
+                          </a:solidFill>
+                          <a:effectLst/>
+                          <a:latin typeface="+mn-ea"/>
+                          <a:ea typeface="+mn-ea"/>
+                          <a:cs typeface="+mn-cs"/>
+                        </a:rPr>
+                        <a:t>：	</a:t>
+                      </a:r>
+                      <a:endParaRPr lang="zh-CN" altLang="zh-CN" sz="1100" b="0" kern="0" dirty="0" smtClean="0">
+                        <a:solidFill>
+                          <a:srgbClr val="282828"/>
+                        </a:solidFill>
+                        <a:effectLst/>
+                        <a:latin typeface="+mn-ea"/>
+                        <a:ea typeface="+mn-ea"/>
+                        <a:cs typeface="+mn-cs"/>
+                      </a:endParaRPr>
+                    </a:p>
+                    <a:p>
+                      <a:pPr marL="0" algn="just" defTabSz="914400" rtl="0" eaLnBrk="1" latinLnBrk="0" hangingPunct="1">
+                        <a:lnSpc>
+                          <a:spcPts val="1900"/>
+                        </a:lnSpc>
+                        <a:spcAft>
+                          <a:spcPts val="0"/>
+                        </a:spcAft>
+                      </a:pPr>
+                      <a:r>
+                        <a:rPr lang="en-US" altLang="zh-CN" sz="1100" b="0" kern="0" dirty="0" smtClean="0">
+                          <a:solidFill>
+                            <a:srgbClr val="282828"/>
+                          </a:solidFill>
+                          <a:effectLst/>
+                          <a:latin typeface="+mn-ea"/>
+                          <a:ea typeface="+mn-ea"/>
+                          <a:cs typeface="+mn-cs"/>
+                        </a:rPr>
+                        <a:t>1、</a:t>
+                      </a:r>
+                      <a:r>
+                        <a:rPr lang="zh-CN" altLang="en-US" sz="1100" b="0" kern="0" dirty="0" smtClean="0">
+                          <a:solidFill>
+                            <a:srgbClr val="282828"/>
+                          </a:solidFill>
+                          <a:effectLst/>
+                          <a:latin typeface="+mn-ea"/>
+                          <a:ea typeface="+mn-ea"/>
+                          <a:cs typeface="+mn-cs"/>
+                        </a:rPr>
+                        <a:t>市场环境</a:t>
+                      </a:r>
+                      <a:r>
+                        <a:rPr lang="en-US" altLang="zh-CN" sz="1100" b="0" kern="0" dirty="0" smtClean="0">
+                          <a:solidFill>
+                            <a:srgbClr val="282828"/>
+                          </a:solidFill>
+                          <a:effectLst/>
+                          <a:latin typeface="+mn-ea"/>
+                          <a:ea typeface="+mn-ea"/>
+                          <a:cs typeface="+mn-cs"/>
+                        </a:rPr>
+                        <a:t>	</a:t>
+                      </a:r>
+                      <a:endParaRPr lang="zh-CN" altLang="zh-CN" sz="1100" b="0" kern="0" dirty="0" smtClean="0">
+                        <a:solidFill>
+                          <a:srgbClr val="282828"/>
+                        </a:solidFill>
+                        <a:effectLst/>
+                        <a:latin typeface="+mn-ea"/>
+                        <a:ea typeface="+mn-ea"/>
+                        <a:cs typeface="+mn-cs"/>
+                      </a:endParaRPr>
+                    </a:p>
+                    <a:p>
+                      <a:pPr marL="0" algn="just" defTabSz="914400" rtl="0" eaLnBrk="1" latinLnBrk="0" hangingPunct="1">
+                        <a:lnSpc>
+                          <a:spcPts val="1900"/>
+                        </a:lnSpc>
+                        <a:spcAft>
+                          <a:spcPts val="0"/>
+                        </a:spcAft>
+                      </a:pPr>
+                      <a:r>
+                        <a:rPr lang="en-US" altLang="zh-CN" sz="1100" b="0" kern="0" dirty="0" smtClean="0">
+                          <a:solidFill>
+                            <a:srgbClr val="282828"/>
+                          </a:solidFill>
+                          <a:effectLst/>
+                          <a:latin typeface="+mn-ea"/>
+                          <a:ea typeface="+mn-ea"/>
+                          <a:cs typeface="+mn-cs"/>
+                        </a:rPr>
+                        <a:t>2、</a:t>
+                      </a:r>
+                      <a:r>
+                        <a:rPr lang="zh-CN" altLang="en-US" sz="1100" b="0" kern="0" dirty="0" smtClean="0">
+                          <a:solidFill>
+                            <a:srgbClr val="282828"/>
+                          </a:solidFill>
+                          <a:effectLst/>
+                          <a:latin typeface="+mn-ea"/>
+                          <a:ea typeface="+mn-ea"/>
+                          <a:cs typeface="+mn-cs"/>
+                        </a:rPr>
+                        <a:t>企业分析</a:t>
+                      </a:r>
+                      <a:r>
+                        <a:rPr lang="en-US" altLang="zh-CN" sz="1100" b="0" kern="0" dirty="0" smtClean="0">
+                          <a:solidFill>
+                            <a:srgbClr val="282828"/>
+                          </a:solidFill>
+                          <a:effectLst/>
+                          <a:latin typeface="+mn-ea"/>
+                          <a:ea typeface="+mn-ea"/>
+                          <a:cs typeface="+mn-cs"/>
+                        </a:rPr>
+                        <a:t>	</a:t>
+                      </a:r>
+                      <a:endParaRPr lang="zh-CN" altLang="zh-CN" sz="1100" b="0" kern="0" dirty="0" smtClean="0">
+                        <a:solidFill>
+                          <a:srgbClr val="282828"/>
+                        </a:solidFill>
+                        <a:effectLst/>
+                        <a:latin typeface="+mn-ea"/>
+                        <a:ea typeface="+mn-ea"/>
+                        <a:cs typeface="+mn-cs"/>
+                      </a:endParaRPr>
+                    </a:p>
+                    <a:p>
+                      <a:pPr marL="0" algn="just" defTabSz="914400" rtl="0" eaLnBrk="1" latinLnBrk="0" hangingPunct="1">
+                        <a:lnSpc>
+                          <a:spcPts val="1900"/>
+                        </a:lnSpc>
+                        <a:spcAft>
+                          <a:spcPts val="0"/>
+                        </a:spcAft>
+                      </a:pPr>
+                      <a:r>
+                        <a:rPr lang="en-US" altLang="zh-CN" sz="1100" b="0" kern="0" dirty="0" smtClean="0">
+                          <a:solidFill>
+                            <a:srgbClr val="282828"/>
+                          </a:solidFill>
+                          <a:effectLst/>
+                          <a:latin typeface="+mn-ea"/>
+                          <a:ea typeface="+mn-ea"/>
+                          <a:cs typeface="+mn-cs"/>
+                        </a:rPr>
+                        <a:t>3、</a:t>
+                      </a:r>
+                      <a:r>
+                        <a:rPr lang="zh-CN" altLang="en-US" sz="1100" b="0" kern="0" dirty="0" smtClean="0">
+                          <a:solidFill>
+                            <a:srgbClr val="282828"/>
+                          </a:solidFill>
+                          <a:effectLst/>
+                          <a:latin typeface="+mn-ea"/>
+                          <a:ea typeface="+mn-ea"/>
+                          <a:cs typeface="+mn-cs"/>
+                        </a:rPr>
+                        <a:t>企业发展</a:t>
+                      </a:r>
+                      <a:endParaRPr lang="zh-CN" altLang="zh-CN" sz="1100" b="0" kern="0" dirty="0" smtClean="0">
+                        <a:solidFill>
+                          <a:srgbClr val="282828"/>
+                        </a:solidFill>
+                        <a:effectLst/>
+                        <a:latin typeface="+mn-ea"/>
+                        <a:ea typeface="+mn-ea"/>
+                        <a:cs typeface="+mn-cs"/>
+                      </a:endParaRPr>
+                    </a:p>
+                    <a:p>
+                      <a:pPr marL="0" algn="just" defTabSz="914400" rtl="0" eaLnBrk="1" latinLnBrk="0" hangingPunct="1">
+                        <a:lnSpc>
+                          <a:spcPts val="1900"/>
+                        </a:lnSpc>
+                        <a:spcAft>
+                          <a:spcPts val="0"/>
+                        </a:spcAft>
+                      </a:pPr>
+                      <a:r>
+                        <a:rPr lang="en-US" altLang="zh-CN" sz="1100" b="0" kern="0" dirty="0" smtClean="0">
+                          <a:solidFill>
+                            <a:srgbClr val="282828"/>
+                          </a:solidFill>
+                          <a:effectLst/>
+                          <a:latin typeface="+mn-ea"/>
+                          <a:ea typeface="+mn-ea"/>
+                          <a:cs typeface="+mn-cs"/>
+                        </a:rPr>
+                        <a:t>三 </a:t>
+                      </a:r>
+                      <a:r>
+                        <a:rPr lang="en-US" altLang="zh-CN" sz="1100" b="0" kern="0" dirty="0" err="1" smtClean="0">
+                          <a:solidFill>
+                            <a:srgbClr val="282828"/>
+                          </a:solidFill>
+                          <a:effectLst/>
+                          <a:latin typeface="+mn-ea"/>
+                          <a:ea typeface="+mn-ea"/>
+                          <a:cs typeface="+mn-cs"/>
+                        </a:rPr>
+                        <a:t>技术分析</a:t>
+                      </a:r>
+                      <a:endParaRPr lang="zh-CN" altLang="zh-CN" sz="1100" b="0" kern="0" dirty="0" smtClean="0">
+                        <a:solidFill>
+                          <a:srgbClr val="282828"/>
+                        </a:solidFill>
+                        <a:effectLst/>
+                        <a:latin typeface="+mn-ea"/>
+                        <a:ea typeface="+mn-ea"/>
+                        <a:cs typeface="+mn-cs"/>
+                      </a:endParaRPr>
+                    </a:p>
+                    <a:p>
+                      <a:pPr marL="0" algn="just" defTabSz="914400" rtl="0" eaLnBrk="1" latinLnBrk="0" hangingPunct="1">
+                        <a:lnSpc>
+                          <a:spcPts val="1900"/>
+                        </a:lnSpc>
+                        <a:spcAft>
+                          <a:spcPts val="0"/>
+                        </a:spcAft>
+                      </a:pPr>
+                      <a:r>
+                        <a:rPr lang="en-US" altLang="zh-CN" sz="1100" b="0" kern="0" dirty="0" smtClean="0">
+                          <a:solidFill>
+                            <a:srgbClr val="282828"/>
+                          </a:solidFill>
+                          <a:effectLst/>
+                          <a:latin typeface="+mn-ea"/>
+                          <a:ea typeface="+mn-ea"/>
+                          <a:cs typeface="+mn-cs"/>
+                        </a:rPr>
+                        <a:t>1、材料 </a:t>
+                      </a:r>
+                      <a:endParaRPr lang="zh-CN" altLang="zh-CN" sz="1100" b="0" kern="0" dirty="0" smtClean="0">
+                        <a:solidFill>
+                          <a:srgbClr val="282828"/>
+                        </a:solidFill>
+                        <a:effectLst/>
+                        <a:latin typeface="+mn-ea"/>
+                        <a:ea typeface="+mn-ea"/>
+                        <a:cs typeface="+mn-cs"/>
+                      </a:endParaRPr>
+                    </a:p>
+                    <a:p>
+                      <a:pPr marL="0" algn="just" defTabSz="914400" rtl="0" eaLnBrk="1" latinLnBrk="0" hangingPunct="1">
+                        <a:lnSpc>
+                          <a:spcPts val="1900"/>
+                        </a:lnSpc>
+                        <a:spcAft>
+                          <a:spcPts val="0"/>
+                        </a:spcAft>
+                      </a:pPr>
+                      <a:r>
+                        <a:rPr lang="en-US" altLang="zh-CN" sz="1100" b="0" kern="0" dirty="0" smtClean="0">
+                          <a:solidFill>
+                            <a:srgbClr val="282828"/>
+                          </a:solidFill>
+                          <a:effectLst/>
+                          <a:latin typeface="+mn-ea"/>
+                          <a:ea typeface="+mn-ea"/>
+                          <a:cs typeface="+mn-cs"/>
+                        </a:rPr>
+                        <a:t>2、动力能源</a:t>
+                      </a:r>
+                      <a:endParaRPr lang="zh-CN" altLang="zh-CN" sz="1100" b="0" kern="0" dirty="0" smtClean="0">
+                        <a:solidFill>
+                          <a:srgbClr val="282828"/>
+                        </a:solidFill>
+                        <a:effectLst/>
+                        <a:latin typeface="+mn-ea"/>
+                        <a:ea typeface="+mn-ea"/>
+                        <a:cs typeface="+mn-cs"/>
+                      </a:endParaRPr>
+                    </a:p>
+                    <a:p>
+                      <a:pPr marL="0" algn="just" defTabSz="914400" rtl="0" eaLnBrk="1" latinLnBrk="0" hangingPunct="1">
+                        <a:lnSpc>
+                          <a:spcPts val="1900"/>
+                        </a:lnSpc>
+                        <a:spcAft>
+                          <a:spcPts val="0"/>
+                        </a:spcAft>
+                      </a:pPr>
+                      <a:r>
+                        <a:rPr lang="en-US" altLang="zh-CN" sz="1100" b="0" kern="0" dirty="0" smtClean="0">
+                          <a:solidFill>
+                            <a:srgbClr val="282828"/>
+                          </a:solidFill>
+                          <a:effectLst/>
+                          <a:latin typeface="+mn-ea"/>
+                          <a:ea typeface="+mn-ea"/>
+                          <a:cs typeface="+mn-cs"/>
+                        </a:rPr>
+                        <a:t>3、控制部分</a:t>
+                      </a:r>
+                    </a:p>
+                    <a:p>
+                      <a:pPr marL="0" algn="just" defTabSz="914400" rtl="0" eaLnBrk="1" latinLnBrk="0" hangingPunct="1">
+                        <a:lnSpc>
+                          <a:spcPts val="1900"/>
+                        </a:lnSpc>
+                        <a:spcAft>
+                          <a:spcPts val="0"/>
+                        </a:spcAft>
+                      </a:pPr>
+                      <a:r>
+                        <a:rPr lang="zh-CN" altLang="en-US" sz="1100" b="0" kern="0" dirty="0" smtClean="0">
+                          <a:solidFill>
+                            <a:srgbClr val="282828"/>
+                          </a:solidFill>
+                          <a:effectLst/>
+                          <a:latin typeface="+mn-ea"/>
+                          <a:ea typeface="+mn-ea"/>
+                          <a:cs typeface="+mn-cs"/>
+                        </a:rPr>
+                        <a:t>四</a:t>
+                      </a:r>
+                      <a:r>
+                        <a:rPr lang="en-US" altLang="zh-CN" sz="1100" b="0" kern="0" dirty="0" smtClean="0">
+                          <a:solidFill>
+                            <a:srgbClr val="282828"/>
+                          </a:solidFill>
+                          <a:effectLst/>
+                          <a:latin typeface="+mn-ea"/>
+                          <a:ea typeface="+mn-ea"/>
+                          <a:cs typeface="+mn-cs"/>
+                        </a:rPr>
+                        <a:t> </a:t>
+                      </a:r>
+                      <a:r>
+                        <a:rPr lang="zh-CN" altLang="en-US" sz="1100" b="0" kern="0" dirty="0" smtClean="0">
+                          <a:solidFill>
+                            <a:srgbClr val="282828"/>
+                          </a:solidFill>
+                          <a:effectLst/>
+                          <a:latin typeface="+mn-ea"/>
+                          <a:ea typeface="+mn-ea"/>
+                          <a:cs typeface="+mn-cs"/>
+                        </a:rPr>
+                        <a:t>未来预期</a:t>
+                      </a:r>
+                      <a:endParaRPr lang="en-US" altLang="zh-CN" sz="1100" b="0" kern="0" dirty="0" smtClean="0">
+                        <a:solidFill>
+                          <a:srgbClr val="282828"/>
+                        </a:solidFill>
+                        <a:effectLst/>
+                        <a:latin typeface="+mn-ea"/>
+                        <a:ea typeface="+mn-ea"/>
+                        <a:cs typeface="+mn-cs"/>
+                      </a:endParaRPr>
+                    </a:p>
+                  </a:txBody>
+                  <a:tcPr marL="27270" marR="27270" marT="0" marB="0" anchor="ctr">
+                    <a:lnL w="12700" cap="flat" cmpd="sng" algn="ctr">
+                      <a:solidFill>
+                        <a:schemeClr val="tx1"/>
+                      </a:solidFill>
+                      <a:prstDash val="solid"/>
+                      <a:round/>
+                      <a:headEnd type="none" w="med" len="med"/>
+                      <a:tailEnd type="none" w="med" len="med"/>
+                    </a:lnL>
+                    <a:lnR w="12700" cap="flat" cmpd="sng" algn="ctr">
+                      <a:solidFill>
+                        <a:schemeClr val="tx1"/>
+                      </a:solidFill>
+                      <a:prstDash val="solid"/>
+                      <a:round/>
+                      <a:headEnd type="none" w="med" len="med"/>
+                      <a:tailEnd type="none" w="med" len="med"/>
+                    </a:lnR>
+                    <a:lnT w="12700" cap="flat" cmpd="sng" algn="ctr">
+                      <a:solidFill>
+                        <a:schemeClr val="tx1"/>
+                      </a:solidFill>
+                      <a:prstDash val="solid"/>
+                      <a:round/>
+                      <a:headEnd type="none" w="med" len="med"/>
+                      <a:tailEnd type="none" w="med" len="med"/>
+                    </a:lnT>
+                    <a:lnB w="12700" cap="flat" cmpd="sng" algn="ctr">
+                      <a:solidFill>
+                        <a:schemeClr val="tx1"/>
+                      </a:solidFill>
+                      <a:prstDash val="solid"/>
+                      <a:round/>
+                      <a:headEnd type="none" w="med" len="med"/>
+                      <a:tailEnd type="none" w="med" len="med"/>
+                    </a:lnB>
+                    <a:solidFill>
+                      <a:srgbClr val="E2C044"/>
+                    </a:solidFill>
+                  </a:tcPr>
+                </a:tc>
+                <a:tc>
+                  <a:txBody>
+                    <a:bodyPr/>
+                    <a:lstStyle/>
+                    <a:p>
+                      <a:pPr algn="just">
+                        <a:lnSpc>
+                          <a:spcPts val="1900"/>
+                        </a:lnSpc>
+                        <a:spcAft>
+                          <a:spcPts val="0"/>
+                        </a:spcAft>
+                      </a:pPr>
+                      <a:r>
+                        <a:rPr lang="en-US" sz="1100" b="0" kern="0" dirty="0" smtClean="0">
+                          <a:solidFill>
+                            <a:srgbClr val="282828"/>
+                          </a:solidFill>
+                          <a:effectLst/>
+                          <a:latin typeface="+mn-ea"/>
+                          <a:ea typeface="+mn-ea"/>
+                        </a:rPr>
+                        <a:t>*</a:t>
+                      </a:r>
+                      <a:r>
+                        <a:rPr lang="zh-CN" altLang="en-US" sz="1100" b="0" kern="0" dirty="0" smtClean="0">
+                          <a:solidFill>
+                            <a:srgbClr val="282828"/>
+                          </a:solidFill>
+                          <a:effectLst/>
+                          <a:latin typeface="+mn-ea"/>
+                          <a:ea typeface="+mn-ea"/>
+                        </a:rPr>
+                        <a:t>清华图书馆</a:t>
+                      </a:r>
+                      <a:endParaRPr lang="en-US" altLang="zh-CN" sz="1100" b="0" kern="0" dirty="0" smtClean="0">
+                        <a:solidFill>
+                          <a:srgbClr val="282828"/>
+                        </a:solidFill>
+                        <a:effectLst/>
+                        <a:latin typeface="+mn-ea"/>
+                        <a:ea typeface="+mn-ea"/>
+                      </a:endParaRPr>
+                    </a:p>
+                    <a:p>
+                      <a:pPr algn="just">
+                        <a:lnSpc>
+                          <a:spcPts val="1900"/>
+                        </a:lnSpc>
+                        <a:spcAft>
+                          <a:spcPts val="0"/>
+                        </a:spcAft>
+                      </a:pPr>
+                      <a:r>
+                        <a:rPr lang="en-US" sz="1100" b="0" kern="0" dirty="0" smtClean="0">
+                          <a:solidFill>
+                            <a:srgbClr val="282828"/>
+                          </a:solidFill>
+                          <a:effectLst/>
+                          <a:latin typeface="+mn-ea"/>
+                          <a:ea typeface="+mn-ea"/>
+                        </a:rPr>
+                        <a:t>*</a:t>
+                      </a:r>
+                      <a:r>
+                        <a:rPr lang="zh-CN" altLang="en-US" sz="1100" b="0" kern="0" dirty="0" smtClean="0">
+                          <a:solidFill>
+                            <a:srgbClr val="282828"/>
+                          </a:solidFill>
+                          <a:effectLst/>
+                          <a:latin typeface="+mn-ea"/>
+                          <a:ea typeface="+mn-ea"/>
+                        </a:rPr>
+                        <a:t>教授</a:t>
+                      </a:r>
+                      <a:r>
+                        <a:rPr lang="zh-CN" sz="1100" b="0" kern="0" dirty="0" smtClean="0">
+                          <a:solidFill>
+                            <a:srgbClr val="282828"/>
+                          </a:solidFill>
+                          <a:effectLst/>
+                          <a:latin typeface="+mn-ea"/>
+                          <a:ea typeface="+mn-ea"/>
+                        </a:rPr>
+                        <a:t>指导</a:t>
+                      </a:r>
+                      <a:endParaRPr lang="zh-CN" sz="1100" b="0" kern="100" dirty="0">
+                        <a:solidFill>
+                          <a:srgbClr val="282828"/>
+                        </a:solidFill>
+                        <a:effectLst/>
+                        <a:latin typeface="+mn-ea"/>
+                        <a:ea typeface="+mn-ea"/>
+                      </a:endParaRPr>
+                    </a:p>
+                    <a:p>
+                      <a:pPr algn="just">
+                        <a:lnSpc>
+                          <a:spcPts val="1900"/>
+                        </a:lnSpc>
+                        <a:spcAft>
+                          <a:spcPts val="0"/>
+                        </a:spcAft>
+                      </a:pPr>
+                      <a:r>
+                        <a:rPr lang="en-US" sz="1100" b="0" kern="0" dirty="0" smtClean="0">
+                          <a:solidFill>
+                            <a:srgbClr val="282828"/>
+                          </a:solidFill>
+                          <a:effectLst/>
+                          <a:latin typeface="+mn-ea"/>
+                          <a:ea typeface="+mn-ea"/>
+                        </a:rPr>
+                        <a:t>*</a:t>
+                      </a:r>
+                      <a:r>
+                        <a:rPr lang="zh-CN" altLang="en-US" sz="1100" b="0" kern="0" dirty="0" smtClean="0">
+                          <a:solidFill>
+                            <a:srgbClr val="282828"/>
+                          </a:solidFill>
+                          <a:effectLst/>
+                          <a:latin typeface="+mn-ea"/>
+                          <a:ea typeface="+mn-ea"/>
+                        </a:rPr>
+                        <a:t>网络资源</a:t>
+                      </a:r>
+                      <a:endParaRPr lang="zh-CN" sz="1100" b="0" kern="100" dirty="0">
+                        <a:solidFill>
+                          <a:srgbClr val="282828"/>
+                        </a:solidFill>
+                        <a:effectLst/>
+                        <a:latin typeface="+mn-ea"/>
+                        <a:ea typeface="+mn-ea"/>
+                      </a:endParaRPr>
+                    </a:p>
+                    <a:p>
+                      <a:pPr algn="just">
+                        <a:lnSpc>
+                          <a:spcPts val="1900"/>
+                        </a:lnSpc>
+                        <a:spcAft>
+                          <a:spcPts val="0"/>
+                        </a:spcAft>
+                      </a:pPr>
+                      <a:r>
+                        <a:rPr lang="en-US" sz="1100" b="0" kern="0" dirty="0">
+                          <a:solidFill>
+                            <a:srgbClr val="282828"/>
+                          </a:solidFill>
+                          <a:effectLst/>
+                          <a:latin typeface="+mn-ea"/>
+                          <a:ea typeface="+mn-ea"/>
+                        </a:rPr>
+                        <a:t>*</a:t>
+                      </a:r>
+                      <a:r>
+                        <a:rPr lang="zh-CN" sz="1100" b="0" kern="0" dirty="0">
+                          <a:solidFill>
+                            <a:srgbClr val="282828"/>
+                          </a:solidFill>
+                          <a:effectLst/>
+                          <a:latin typeface="+mn-ea"/>
+                          <a:ea typeface="+mn-ea"/>
+                        </a:rPr>
+                        <a:t>学员兴趣、行业背景、优势收集。</a:t>
+                      </a:r>
+                      <a:endParaRPr lang="zh-CN" sz="1100" b="0" kern="100" dirty="0">
+                        <a:solidFill>
+                          <a:srgbClr val="282828"/>
+                        </a:solidFill>
+                        <a:effectLst/>
+                        <a:latin typeface="+mn-ea"/>
+                        <a:ea typeface="+mn-ea"/>
+                      </a:endParaRPr>
+                    </a:p>
+                    <a:p>
+                      <a:pPr algn="just">
+                        <a:lnSpc>
+                          <a:spcPts val="1900"/>
+                        </a:lnSpc>
+                        <a:spcAft>
+                          <a:spcPts val="0"/>
+                        </a:spcAft>
+                      </a:pPr>
+                      <a:r>
+                        <a:rPr lang="en-US" sz="1100" b="0" kern="0" dirty="0">
+                          <a:solidFill>
+                            <a:srgbClr val="282828"/>
+                          </a:solidFill>
+                          <a:effectLst/>
+                          <a:latin typeface="+mn-ea"/>
+                          <a:ea typeface="+mn-ea"/>
+                        </a:rPr>
+                        <a:t>*</a:t>
+                      </a:r>
+                      <a:r>
+                        <a:rPr lang="zh-CN" sz="1100" b="0" kern="0" dirty="0">
+                          <a:solidFill>
+                            <a:srgbClr val="282828"/>
+                          </a:solidFill>
+                          <a:effectLst/>
+                          <a:latin typeface="+mn-ea"/>
+                          <a:ea typeface="+mn-ea"/>
+                        </a:rPr>
+                        <a:t>软件支持：</a:t>
+                      </a:r>
+                      <a:r>
+                        <a:rPr lang="en-US" sz="1100" b="0" kern="0" dirty="0">
+                          <a:solidFill>
+                            <a:srgbClr val="282828"/>
+                          </a:solidFill>
+                          <a:effectLst/>
+                          <a:latin typeface="+mn-ea"/>
+                          <a:ea typeface="+mn-ea"/>
+                        </a:rPr>
+                        <a:t>wiki</a:t>
+                      </a:r>
+                      <a:r>
+                        <a:rPr lang="zh-CN" sz="1100" b="0" kern="0" dirty="0">
+                          <a:solidFill>
+                            <a:srgbClr val="282828"/>
+                          </a:solidFill>
+                          <a:effectLst/>
+                          <a:latin typeface="+mn-ea"/>
+                          <a:ea typeface="+mn-ea"/>
+                        </a:rPr>
+                        <a:t>、</a:t>
+                      </a:r>
+                      <a:r>
+                        <a:rPr lang="en-US" sz="1100" b="0" kern="0" dirty="0" smtClean="0">
+                          <a:solidFill>
+                            <a:srgbClr val="282828"/>
+                          </a:solidFill>
+                          <a:effectLst/>
+                          <a:latin typeface="+mn-ea"/>
+                          <a:ea typeface="+mn-ea"/>
+                        </a:rPr>
+                        <a:t>GIT</a:t>
+                      </a:r>
+                      <a:r>
+                        <a:rPr lang="zh-CN" altLang="en-US" sz="1100" b="0" kern="0" dirty="0" smtClean="0">
+                          <a:solidFill>
+                            <a:srgbClr val="282828"/>
+                          </a:solidFill>
+                          <a:effectLst/>
+                          <a:latin typeface="+mn-ea"/>
+                          <a:ea typeface="+mn-ea"/>
+                        </a:rPr>
+                        <a:t>、</a:t>
+                      </a:r>
+                      <a:r>
+                        <a:rPr lang="en-US" altLang="zh-CN" sz="1100" b="0" kern="0" dirty="0" err="1" smtClean="0">
+                          <a:solidFill>
+                            <a:srgbClr val="282828"/>
+                          </a:solidFill>
+                          <a:effectLst/>
+                          <a:latin typeface="+mn-ea"/>
+                          <a:ea typeface="+mn-ea"/>
+                        </a:rPr>
+                        <a:t>Noteexpress</a:t>
+                      </a:r>
+                      <a:endParaRPr lang="zh-CN" sz="1100" b="0" kern="100" dirty="0">
+                        <a:solidFill>
+                          <a:srgbClr val="282828"/>
+                        </a:solidFill>
+                        <a:effectLst/>
+                        <a:latin typeface="+mn-ea"/>
+                        <a:ea typeface="+mn-ea"/>
+                      </a:endParaRPr>
+                    </a:p>
+                  </a:txBody>
+                  <a:tcPr marL="27270" marR="27270" marT="0" marB="0" anchor="ctr">
+                    <a:lnL w="12700" cap="flat" cmpd="sng" algn="ctr">
+                      <a:solidFill>
+                        <a:schemeClr val="tx1"/>
+                      </a:solidFill>
+                      <a:prstDash val="solid"/>
+                      <a:round/>
+                      <a:headEnd type="none" w="med" len="med"/>
+                      <a:tailEnd type="none" w="med" len="med"/>
+                    </a:lnL>
+                    <a:lnR w="12700" cap="flat" cmpd="sng" algn="ctr">
+                      <a:solidFill>
+                        <a:schemeClr val="tx1"/>
+                      </a:solidFill>
+                      <a:prstDash val="solid"/>
+                      <a:round/>
+                      <a:headEnd type="none" w="med" len="med"/>
+                      <a:tailEnd type="none" w="med" len="med"/>
+                    </a:lnR>
+                    <a:lnT w="12700" cap="flat" cmpd="sng" algn="ctr">
+                      <a:solidFill>
+                        <a:schemeClr val="tx1"/>
+                      </a:solidFill>
+                      <a:prstDash val="solid"/>
+                      <a:round/>
+                      <a:headEnd type="none" w="med" len="med"/>
+                      <a:tailEnd type="none" w="med" len="med"/>
+                    </a:lnT>
+                    <a:lnB w="12700" cap="flat" cmpd="sng" algn="ctr">
+                      <a:solidFill>
+                        <a:schemeClr val="tx1"/>
+                      </a:solidFill>
+                      <a:prstDash val="solid"/>
+                      <a:round/>
+                      <a:headEnd type="none" w="med" len="med"/>
+                      <a:tailEnd type="none" w="med" len="med"/>
+                    </a:lnB>
+                    <a:solidFill>
+                      <a:srgbClr val="E2C044"/>
+                    </a:solidFill>
+                  </a:tcPr>
+                </a:tc>
+                <a:extLst>
+                  <a:ext uri="{0D108BD9-81ED-4DB2-BD59-A6C34878D82A}">
+                    <a16:rowId xmlns:a16="http://schemas.microsoft.com/office/drawing/2014/main" val="10003"/>
+                  </a:ext>
+                </a:extLst>
+              </a:tr>
+              <a:tr h="371011">
+                <a:tc>
+                  <a:txBody>
+                    <a:bodyPr/>
+                    <a:lstStyle/>
+                    <a:p>
+                      <a:pPr algn="ctr">
+                        <a:lnSpc>
+                          <a:spcPts val="1900"/>
+                        </a:lnSpc>
+                        <a:spcAft>
+                          <a:spcPts val="0"/>
+                        </a:spcAft>
+                      </a:pPr>
+                      <a:r>
+                        <a:rPr lang="zh-CN" sz="1100" b="0" kern="0" dirty="0">
+                          <a:solidFill>
+                            <a:srgbClr val="282828"/>
+                          </a:solidFill>
+                          <a:effectLst/>
+                          <a:latin typeface="+mn-ea"/>
+                          <a:ea typeface="+mn-ea"/>
+                        </a:rPr>
+                        <a:t>外部因素</a:t>
+                      </a:r>
+                      <a:endParaRPr lang="zh-CN" sz="1100" b="0" kern="100" dirty="0">
+                        <a:solidFill>
+                          <a:srgbClr val="282828"/>
+                        </a:solidFill>
+                        <a:effectLst/>
+                        <a:latin typeface="+mn-ea"/>
+                        <a:ea typeface="+mn-ea"/>
+                        <a:cs typeface="Times New Roman"/>
+                      </a:endParaRPr>
+                    </a:p>
+                  </a:txBody>
+                  <a:tcPr marL="27270" marR="27270" marT="0" marB="0" anchor="ctr">
+                    <a:lnL w="12700" cap="flat" cmpd="sng" algn="ctr">
+                      <a:solidFill>
+                        <a:schemeClr val="tx1"/>
+                      </a:solidFill>
+                      <a:prstDash val="solid"/>
+                      <a:round/>
+                      <a:headEnd type="none" w="med" len="med"/>
+                      <a:tailEnd type="none" w="med" len="med"/>
+                    </a:lnL>
+                    <a:lnR w="12700" cap="flat" cmpd="sng" algn="ctr">
+                      <a:solidFill>
+                        <a:schemeClr val="tx1"/>
+                      </a:solidFill>
+                      <a:prstDash val="solid"/>
+                      <a:round/>
+                      <a:headEnd type="none" w="med" len="med"/>
+                      <a:tailEnd type="none" w="med" len="med"/>
+                    </a:lnR>
+                    <a:lnT w="12700" cap="flat" cmpd="sng" algn="ctr">
+                      <a:solidFill>
+                        <a:schemeClr val="tx1"/>
+                      </a:solidFill>
+                      <a:prstDash val="solid"/>
+                      <a:round/>
+                      <a:headEnd type="none" w="med" len="med"/>
+                      <a:tailEnd type="none" w="med" len="med"/>
+                    </a:lnT>
+                    <a:lnB w="12700" cap="flat" cmpd="sng" algn="ctr">
+                      <a:solidFill>
+                        <a:schemeClr val="tx1"/>
+                      </a:solidFill>
+                      <a:prstDash val="solid"/>
+                      <a:round/>
+                      <a:headEnd type="none" w="med" len="med"/>
+                      <a:tailEnd type="none" w="med" len="med"/>
+                    </a:lnB>
+                    <a:solidFill>
+                      <a:srgbClr val="E2C044"/>
+                    </a:solidFill>
+                  </a:tcPr>
+                </a:tc>
+                <a:tc gridSpan="3">
+                  <a:txBody>
+                    <a:bodyPr/>
+                    <a:lstStyle/>
+                    <a:p>
+                      <a:pPr algn="just">
+                        <a:lnSpc>
+                          <a:spcPts val="1900"/>
+                        </a:lnSpc>
+                        <a:spcAft>
+                          <a:spcPts val="0"/>
+                        </a:spcAft>
+                      </a:pPr>
+                      <a:r>
+                        <a:rPr lang="en-US" sz="1100" b="0" kern="0" dirty="0" smtClean="0">
+                          <a:solidFill>
+                            <a:srgbClr val="282828"/>
+                          </a:solidFill>
+                          <a:effectLst/>
+                          <a:latin typeface="+mn-ea"/>
+                          <a:ea typeface="+mn-ea"/>
+                        </a:rPr>
+                        <a:t>*</a:t>
+                      </a:r>
+                      <a:r>
+                        <a:rPr lang="zh-CN" altLang="en-US" sz="1100" b="0" kern="0" dirty="0" smtClean="0">
+                          <a:solidFill>
+                            <a:srgbClr val="282828"/>
+                          </a:solidFill>
+                          <a:effectLst/>
+                          <a:latin typeface="+mn-ea"/>
+                          <a:ea typeface="+mn-ea"/>
+                        </a:rPr>
+                        <a:t>组员来自不同专业、不同学年，工作和学习都比较忙碌，需要克服团队合作中遇到的困难。</a:t>
+                      </a:r>
+                      <a:endParaRPr lang="zh-CN" sz="1100" b="0" kern="100" dirty="0">
+                        <a:solidFill>
+                          <a:srgbClr val="282828"/>
+                        </a:solidFill>
+                        <a:effectLst/>
+                        <a:latin typeface="+mn-ea"/>
+                        <a:ea typeface="+mn-ea"/>
+                      </a:endParaRPr>
+                    </a:p>
+                  </a:txBody>
+                  <a:tcPr marL="27270" marR="27270" marT="0" marB="0" anchor="ctr">
+                    <a:lnL w="12700" cap="flat" cmpd="sng" algn="ctr">
+                      <a:solidFill>
+                        <a:schemeClr val="tx1"/>
+                      </a:solidFill>
+                      <a:prstDash val="solid"/>
+                      <a:round/>
+                      <a:headEnd type="none" w="med" len="med"/>
+                      <a:tailEnd type="none" w="med" len="med"/>
+                    </a:lnL>
+                    <a:lnR w="12700" cap="flat" cmpd="sng" algn="ctr">
+                      <a:solidFill>
+                        <a:schemeClr val="tx1"/>
+                      </a:solidFill>
+                      <a:prstDash val="solid"/>
+                      <a:round/>
+                      <a:headEnd type="none" w="med" len="med"/>
+                      <a:tailEnd type="none" w="med" len="med"/>
+                    </a:lnR>
+                    <a:lnT w="12700" cap="flat" cmpd="sng" algn="ctr">
+                      <a:solidFill>
+                        <a:schemeClr val="tx1"/>
+                      </a:solidFill>
+                      <a:prstDash val="solid"/>
+                      <a:round/>
+                      <a:headEnd type="none" w="med" len="med"/>
+                      <a:tailEnd type="none" w="med" len="med"/>
+                    </a:lnT>
+                    <a:lnB w="12700" cap="flat" cmpd="sng" algn="ctr">
+                      <a:solidFill>
+                        <a:schemeClr val="tx1"/>
+                      </a:solidFill>
+                      <a:prstDash val="solid"/>
+                      <a:round/>
+                      <a:headEnd type="none" w="med" len="med"/>
+                      <a:tailEnd type="none" w="med" len="med"/>
+                    </a:lnB>
+                    <a:solidFill>
+                      <a:srgbClr val="E2C044"/>
+                    </a:solidFill>
+                  </a:tcPr>
+                </a:tc>
+                <a:tc hMerge="1">
+                  <a:txBody>
+                    <a:bodyPr/>
+                    <a:lstStyle/>
+                    <a:p>
+                      <a:endParaRPr lang="zh-CN" altLang="en-US"/>
+                    </a:p>
+                  </a:txBody>
+                  <a:tcPr/>
+                </a:tc>
+                <a:tc hMerge="1">
+                  <a:txBody>
+                    <a:bodyPr/>
+                    <a:lstStyle/>
+                    <a:p>
+                      <a:endParaRPr lang="zh-CN" altLang="en-US"/>
+                    </a:p>
+                  </a:txBody>
+                  <a:tcPr/>
+                </a:tc>
+                <a:extLst>
+                  <a:ext uri="{0D108BD9-81ED-4DB2-BD59-A6C34878D82A}">
+                    <a16:rowId xmlns:a16="http://schemas.microsoft.com/office/drawing/2014/main" val="10004"/>
+                  </a:ext>
+                </a:extLst>
+              </a:tr>
+            </a:tbl>
+          </a:graphicData>
+        </a:graphic>
+      </p:graphicFrame>
+    </p:spTree>
+    <p:extLst>
+      <p:ext uri="{BB962C8B-B14F-4D97-AF65-F5344CB8AC3E}">
+        <p14:creationId xmlns:p14="http://schemas.microsoft.com/office/powerpoint/2010/main" val="2953664279"/>
+      </p:ext>
+    </p:extLst>
+  </p:cSld>
+  <p:clrMapOvr>
+    <a:masterClrMapping/>
+  </p:clrMapOvr>
+</p:sld>
+</file>
+
+<file path=ppt/slides/slide4.xml><?xml version="1.0" encoding="utf-8"?>
+<p:sld xmlns:a="http://schemas.openxmlformats.org/drawingml/2006/main" xmlns:r="http://schemas.openxmlformats.org/officeDocument/2006/relationships" xmlns:p="http://schemas.openxmlformats.org/presentationml/2006/main">
+  <p:cSld>
+    <p:spTree>
+      <p:nvGrpSpPr>
+        <p:cNvPr id="1" name=""/>
+        <p:cNvGrpSpPr/>
+        <p:nvPr/>
+      </p:nvGrpSpPr>
+      <p:grpSpPr>
+        <a:xfrm>
+          <a:off x="0" y="0"/>
+          <a:ext cx="0" cy="0"/>
+          <a:chOff x="0" y="0"/>
+          <a:chExt cx="0" cy="0"/>
+        </a:xfrm>
+      </p:grpSpPr>
+      <p:sp>
+        <p:nvSpPr>
+          <p:cNvPr id="2" name="标题 1"/>
+          <p:cNvSpPr>
+            <a:spLocks noGrp="1"/>
+          </p:cNvSpPr>
+          <p:nvPr>
+            <p:ph type="title"/>
+          </p:nvPr>
+        </p:nvSpPr>
+        <p:spPr>
+          <a:xfrm>
             <a:off x="539552" y="260648"/>
             <a:ext cx="8183880" cy="1051560"/>
           </a:xfrm>
@@ -11433,7 +14315,7 @@
 </p:sld>
 </file>
 
-<file path=ppt/slides/slide4.xml><?xml version="1.0" encoding="utf-8"?>
+<file path=ppt/slides/slide5.xml><?xml version="1.0" encoding="utf-8"?>
 <p:sld xmlns:a="http://schemas.openxmlformats.org/drawingml/2006/main" xmlns:r="http://schemas.openxmlformats.org/officeDocument/2006/relationships" xmlns:p="http://schemas.openxmlformats.org/presentationml/2006/main">
   <p:cSld>
     <p:spTree>
@@ -11676,7 +14558,7 @@
 </p:sld>
 </file>
 
-<file path=ppt/slides/slide5.xml><?xml version="1.0" encoding="utf-8"?>
+<file path=ppt/slides/slide6.xml><?xml version="1.0" encoding="utf-8"?>
 <p:sld xmlns:a="http://schemas.openxmlformats.org/drawingml/2006/main" xmlns:r="http://schemas.openxmlformats.org/officeDocument/2006/relationships" xmlns:p="http://schemas.openxmlformats.org/presentationml/2006/main">
   <p:cSld>
     <p:spTree>
@@ -13696,7 +16578,7 @@
 </p:sld>
 </file>
 
-<file path=ppt/slides/slide6.xml><?xml version="1.0" encoding="utf-8"?>
+<file path=ppt/slides/slide7.xml><?xml version="1.0" encoding="utf-8"?>
 <p:sld xmlns:a="http://schemas.openxmlformats.org/drawingml/2006/main" xmlns:r="http://schemas.openxmlformats.org/officeDocument/2006/relationships" xmlns:p="http://schemas.openxmlformats.org/presentationml/2006/main">
   <p:cSld>
     <p:spTree>
@@ -14940,7 +17822,7 @@
 </p:sld>
 </file>
 
-<file path=ppt/slides/slide7.xml><?xml version="1.0" encoding="utf-8"?>
+<file path=ppt/slides/slide8.xml><?xml version="1.0" encoding="utf-8"?>
 <p:sld xmlns:a="http://schemas.openxmlformats.org/drawingml/2006/main" xmlns:r="http://schemas.openxmlformats.org/officeDocument/2006/relationships" xmlns:p="http://schemas.openxmlformats.org/presentationml/2006/main">
   <p:cSld>
     <p:spTree>
@@ -15020,7 +17902,7 @@
 </p:sld>
 </file>
 
-<file path=ppt/slides/slide8.xml><?xml version="1.0" encoding="utf-8"?>
+<file path=ppt/slides/slide9.xml><?xml version="1.0" encoding="utf-8"?>
 <p:sld xmlns:a="http://schemas.openxmlformats.org/drawingml/2006/main" xmlns:r="http://schemas.openxmlformats.org/officeDocument/2006/relationships" xmlns:p="http://schemas.openxmlformats.org/presentationml/2006/main">
   <p:cSld>
     <p:spTree>
@@ -15094,11 +17976,7 @@
             </a:r>
             <a:r>
               <a:rPr lang="zh-CN" altLang="zh-CN" sz="1350" dirty="0"/>
-              <a:t>人机交互</a:t>
-            </a:r>
-            <a:r>
-              <a:rPr lang="zh-CN" altLang="zh-CN" sz="1350" dirty="0"/>
-              <a:t>环路示意图</a:t>
+              <a:t>人机交互环路示意图</a:t>
             </a:r>
             <a:endParaRPr lang="zh-CN" altLang="en-US" sz="1350" dirty="0"/>
           </a:p>
@@ -15153,11 +18031,7 @@
             </a:pPr>
             <a:r>
               <a:rPr lang="zh-CN" altLang="zh-CN" sz="1350" dirty="0"/>
-              <a:t>表</a:t>
-            </a:r>
-            <a:r>
-              <a:rPr lang="zh-CN" altLang="zh-CN" sz="1350" dirty="0"/>
-              <a:t>面肌电</a:t>
+              <a:t>表面肌电</a:t>
             </a:r>
             <a:r>
               <a:rPr lang="en-US" altLang="zh-CN" sz="1350" dirty="0"/>
@@ -15189,19 +18063,7 @@
             </a:r>
             <a:r>
               <a:rPr lang="zh-CN" altLang="zh-CN" sz="1350" dirty="0"/>
-              <a:t>等</a:t>
-            </a:r>
-            <a:r>
-              <a:rPr lang="zh-CN" altLang="zh-CN" sz="1350" dirty="0"/>
-              <a:t>信号检测</a:t>
-            </a:r>
-            <a:r>
-              <a:rPr lang="zh-CN" altLang="zh-CN" sz="1350" dirty="0"/>
-              <a:t>识别患者运动</a:t>
-            </a:r>
-            <a:r>
-              <a:rPr lang="zh-CN" altLang="zh-CN" sz="1350" dirty="0"/>
-              <a:t>意图</a:t>
+              <a:t>等信号检测识别患者运动意图</a:t>
             </a:r>
             <a:endParaRPr lang="en-US" altLang="zh-CN" sz="1350" dirty="0"/>
           </a:p>
@@ -15213,11 +18075,7 @@
             </a:pPr>
             <a:r>
               <a:rPr lang="zh-CN" altLang="zh-CN" sz="1350" dirty="0"/>
-              <a:t>主动</a:t>
-            </a:r>
-            <a:r>
-              <a:rPr lang="zh-CN" altLang="zh-CN" sz="1350" dirty="0"/>
-              <a:t>控制康复训练的设备</a:t>
+              <a:t>主动控制康复训练的设备</a:t>
             </a:r>
             <a:r>
               <a:rPr lang="en-US" altLang="zh-CN" sz="1350" dirty="0"/>
@@ -15225,11 +18083,7 @@
             </a:r>
             <a:r>
               <a:rPr lang="zh-CN" altLang="zh-CN" sz="1350" dirty="0"/>
-              <a:t>比被动接受康复训练具有更好的治疗效果</a:t>
-            </a:r>
-            <a:r>
-              <a:rPr lang="zh-CN" altLang="zh-CN" sz="1350" dirty="0"/>
-              <a:t>。</a:t>
+              <a:t>比被动接受康复训练具有更好的治疗效果。</a:t>
             </a:r>
             <a:endParaRPr lang="en-US" altLang="zh-CN" sz="1350" dirty="0"/>
           </a:p>
@@ -15257,15 +18111,7 @@
             </a:r>
             <a:r>
               <a:rPr lang="zh-CN" altLang="zh-CN" sz="1350" dirty="0"/>
-              <a:t>年巴西世界杯足球赛开幕的外骨骼</a:t>
-            </a:r>
-            <a:r>
-              <a:rPr lang="zh-CN" altLang="zh-CN" sz="1350" dirty="0"/>
-              <a:t>机器人即</a:t>
-            </a:r>
-            <a:r>
-              <a:rPr lang="zh-CN" altLang="zh-CN" sz="1350" dirty="0"/>
-              <a:t>是由瘫痪少年大脑意图控制的人工神经康复系统</a:t>
+              <a:t>年巴西世界杯足球赛开幕的外骨骼机器人即是由瘫痪少年大脑意图控制的人工神经康复系统</a:t>
             </a:r>
             <a:r>
               <a:rPr lang="en-US" altLang="zh-CN" sz="1350" dirty="0"/>
@@ -15281,11 +18127,7 @@
             </a:r>
             <a:r>
               <a:rPr lang="zh-CN" altLang="zh-CN" sz="1350" dirty="0"/>
-              <a:t>信号判断其运动意图来控制外骨骼按大脑意图动作和</a:t>
-            </a:r>
-            <a:r>
-              <a:rPr lang="zh-CN" altLang="zh-CN" sz="1350" dirty="0"/>
-              <a:t>行走</a:t>
+              <a:t>信号判断其运动意图来控制外骨骼按大脑意图动作和行走</a:t>
             </a:r>
             <a:endParaRPr lang="en-US" altLang="zh-CN" sz="1350" dirty="0"/>
           </a:p>
@@ -15297,11 +18139,7 @@
             </a:pPr>
             <a:r>
               <a:rPr lang="zh-CN" altLang="zh-CN" sz="1350" dirty="0"/>
-              <a:t>这</a:t>
-            </a:r>
-            <a:r>
-              <a:rPr lang="zh-CN" altLang="zh-CN" sz="1350" dirty="0"/>
-              <a:t>也是国际合作项目</a:t>
+              <a:t>这也是国际合作项目</a:t>
             </a:r>
             <a:r>
               <a:rPr lang="en-US" altLang="zh-CN" sz="1350" dirty="0"/>
@@ -15432,394 +18270,6 @@
     <p:extLst>
       <p:ext uri="{BB962C8B-B14F-4D97-AF65-F5344CB8AC3E}">
         <p14:creationId xmlns:p14="http://schemas.microsoft.com/office/powerpoint/2010/main" val="1247431763"/>
-      </p:ext>
-    </p:extLst>
-  </p:cSld>
-  <p:clrMapOvr>
-    <a:masterClrMapping/>
-  </p:clrMapOvr>
-  <p:timing>
-    <p:tnLst>
-      <p:par>
-        <p:cTn id="1" dur="indefinite" restart="never" nodeType="tmRoot"/>
-      </p:par>
-    </p:tnLst>
-  </p:timing>
-</p:sld>
-</file>
-
-<file path=ppt/slides/slide9.xml><?xml version="1.0" encoding="utf-8"?>
-<p:sld xmlns:a="http://schemas.openxmlformats.org/drawingml/2006/main" xmlns:r="http://schemas.openxmlformats.org/officeDocument/2006/relationships" xmlns:p="http://schemas.openxmlformats.org/presentationml/2006/main">
-  <p:cSld>
-    <p:spTree>
-      <p:nvGrpSpPr>
-        <p:cNvPr id="1" name=""/>
-        <p:cNvGrpSpPr/>
-        <p:nvPr/>
-      </p:nvGrpSpPr>
-      <p:grpSpPr>
-        <a:xfrm>
-          <a:off x="0" y="0"/>
-          <a:ext cx="0" cy="0"/>
-          <a:chOff x="0" y="0"/>
-          <a:chExt cx="0" cy="0"/>
-        </a:xfrm>
-      </p:grpSpPr>
-      <p:pic>
-        <p:nvPicPr>
-          <p:cNvPr id="2" name="图片 1"/>
-          <p:cNvPicPr/>
-          <p:nvPr/>
-        </p:nvPicPr>
-        <p:blipFill rotWithShape="1">
-          <a:blip r:embed="rId2"/>
-          <a:srcRect l="4748" t="13575" r="3791" b="7887"/>
-          <a:stretch/>
-        </p:blipFill>
-        <p:spPr bwMode="auto">
-          <a:xfrm>
-            <a:off x="539552" y="692696"/>
-            <a:ext cx="4896544" cy="3024336"/>
-          </a:xfrm>
-          <a:prstGeom prst="rect">
-            <a:avLst/>
-          </a:prstGeom>
-          <a:ln>
-            <a:noFill/>
-          </a:ln>
-          <a:extLst>
-            <a:ext uri="{53640926-AAD7-44D8-BBD7-CCE9431645EC}">
-              <a14:shadowObscured xmlns:a14="http://schemas.microsoft.com/office/drawing/2010/main"/>
-            </a:ext>
-          </a:extLst>
-        </p:spPr>
-      </p:pic>
-      <p:sp>
-        <p:nvSpPr>
-          <p:cNvPr id="3" name="文本框 2"/>
-          <p:cNvSpPr txBox="1"/>
-          <p:nvPr/>
-        </p:nvSpPr>
-        <p:spPr>
-          <a:xfrm>
-            <a:off x="5652120" y="1268760"/>
-            <a:ext cx="2973029" cy="677878"/>
-          </a:xfrm>
-          <a:prstGeom prst="rect">
-            <a:avLst/>
-          </a:prstGeom>
-          <a:noFill/>
-        </p:spPr>
-        <p:txBody>
-          <a:bodyPr wrap="square" rtlCol="0">
-            <a:spAutoFit/>
-          </a:bodyPr>
-          <a:lstStyle/>
-          <a:p>
-            <a:pPr>
-              <a:lnSpc>
-                <a:spcPct val="150000"/>
-              </a:lnSpc>
-            </a:pPr>
-            <a:r>
-              <a:rPr lang="en-US" altLang="zh-CN" sz="1350" dirty="0" err="1"/>
-              <a:t>Brunnstrom</a:t>
-            </a:r>
-            <a:r>
-              <a:rPr lang="zh-CN" altLang="en-US" sz="1350" dirty="0"/>
-              <a:t>提出的康复阶段，国产傅里叶智能外骨骼以此作为技术架构</a:t>
-            </a:r>
-            <a:endParaRPr lang="zh-CN" altLang="en-US" sz="1350" dirty="0"/>
-          </a:p>
-        </p:txBody>
-      </p:sp>
-      <p:sp>
-        <p:nvSpPr>
-          <p:cNvPr id="4" name="文本框 3"/>
-          <p:cNvSpPr txBox="1"/>
-          <p:nvPr/>
-        </p:nvSpPr>
-        <p:spPr>
-          <a:xfrm>
-            <a:off x="5436096" y="2132856"/>
-            <a:ext cx="3240360" cy="261610"/>
-          </a:xfrm>
-          <a:prstGeom prst="rect">
-            <a:avLst/>
-          </a:prstGeom>
-          <a:noFill/>
-        </p:spPr>
-        <p:txBody>
-          <a:bodyPr wrap="square" rtlCol="0">
-            <a:spAutoFit/>
-          </a:bodyPr>
-          <a:lstStyle/>
-          <a:p>
-            <a:r>
-              <a:rPr lang="zh-CN" altLang="zh-CN" sz="1100" dirty="0"/>
-              <a:t> </a:t>
-            </a:r>
-            <a:r>
-              <a:rPr lang="en-US" altLang="zh-CN" sz="1100" u="sng" dirty="0">
-                <a:hlinkClick r:id="rId3"/>
-              </a:rPr>
-              <a:t>http://www.fftai.com/product/product.php</a:t>
-            </a:r>
-            <a:endParaRPr lang="zh-CN" altLang="en-US" sz="1100" dirty="0"/>
-          </a:p>
-        </p:txBody>
-      </p:sp>
-      <p:sp>
-        <p:nvSpPr>
-          <p:cNvPr id="5" name="文本框 4"/>
-          <p:cNvSpPr txBox="1"/>
-          <p:nvPr/>
-        </p:nvSpPr>
-        <p:spPr>
-          <a:xfrm>
-            <a:off x="467544" y="3717032"/>
-            <a:ext cx="8268802" cy="2677656"/>
-          </a:xfrm>
-          <a:prstGeom prst="rect">
-            <a:avLst/>
-          </a:prstGeom>
-          <a:noFill/>
-        </p:spPr>
-        <p:txBody>
-          <a:bodyPr wrap="square" rtlCol="0">
-            <a:spAutoFit/>
-          </a:bodyPr>
-          <a:lstStyle/>
-          <a:p>
-            <a:pPr>
-              <a:lnSpc>
-                <a:spcPct val="150000"/>
-              </a:lnSpc>
-            </a:pPr>
-            <a:r>
-              <a:rPr lang="zh-CN" altLang="en-US" sz="1400" dirty="0"/>
-              <a:t>控制技术未来发展展望：</a:t>
-            </a:r>
-            <a:endParaRPr lang="en-US" altLang="zh-CN" sz="1400" dirty="0"/>
-          </a:p>
-          <a:p>
-            <a:pPr lvl="0">
-              <a:lnSpc>
-                <a:spcPct val="150000"/>
-              </a:lnSpc>
-            </a:pPr>
-            <a:r>
-              <a:rPr lang="en-US" altLang="zh-CN" sz="1400" dirty="0"/>
-              <a:t>1.</a:t>
-            </a:r>
-            <a:r>
-              <a:rPr lang="zh-CN" altLang="zh-CN" sz="1400" dirty="0"/>
-              <a:t>提升</a:t>
-            </a:r>
-            <a:r>
-              <a:rPr lang="zh-CN" altLang="zh-CN" sz="1400" dirty="0"/>
-              <a:t>信息检测识别</a:t>
-            </a:r>
-            <a:r>
-              <a:rPr lang="zh-CN" altLang="zh-CN" sz="1400" dirty="0"/>
-              <a:t>效率</a:t>
-            </a:r>
-            <a:r>
-              <a:rPr lang="en-US" altLang="zh-CN" sz="1400" dirty="0"/>
-              <a:t>——</a:t>
-            </a:r>
-            <a:r>
-              <a:rPr lang="zh-CN" altLang="zh-CN" sz="1400" dirty="0"/>
-              <a:t>表面肌</a:t>
-            </a:r>
-            <a:r>
-              <a:rPr lang="zh-CN" altLang="zh-CN" sz="1400" dirty="0"/>
-              <a:t>电</a:t>
-            </a:r>
-            <a:r>
-              <a:rPr lang="en-US" altLang="zh-CN" sz="1400" dirty="0"/>
-              <a:t> (</a:t>
-            </a:r>
-            <a:r>
-              <a:rPr lang="en-US" altLang="zh-CN" sz="1400" dirty="0" err="1"/>
-              <a:t>sEMG</a:t>
-            </a:r>
-            <a:r>
-              <a:rPr lang="zh-CN" altLang="zh-CN" sz="1400" dirty="0"/>
-              <a:t>）</a:t>
-            </a:r>
-            <a:r>
-              <a:rPr lang="zh-CN" altLang="en-US" sz="1400" dirty="0"/>
-              <a:t>？</a:t>
-            </a:r>
-            <a:r>
-              <a:rPr lang="zh-CN" altLang="zh-CN" sz="1400" dirty="0"/>
-              <a:t>近红外</a:t>
-            </a:r>
-            <a:r>
-              <a:rPr lang="zh-CN" altLang="zh-CN" sz="1400" dirty="0"/>
-              <a:t>光谱</a:t>
-            </a:r>
-            <a:r>
-              <a:rPr lang="en-US" altLang="zh-CN" sz="1400" dirty="0"/>
-              <a:t> (NIRS</a:t>
-            </a:r>
-            <a:r>
-              <a:rPr lang="en-US" altLang="zh-CN" sz="1400" dirty="0"/>
-              <a:t>)</a:t>
-            </a:r>
-            <a:r>
-              <a:rPr lang="zh-CN" altLang="en-US" sz="1400" dirty="0"/>
-              <a:t>？新软硬件控制算法</a:t>
-            </a:r>
-            <a:r>
-              <a:rPr lang="en-US" altLang="zh-CN" sz="1400" dirty="0"/>
-              <a:t>? </a:t>
-            </a:r>
-            <a:endParaRPr lang="zh-CN" altLang="zh-CN" sz="1400" dirty="0"/>
-          </a:p>
-          <a:p>
-            <a:pPr lvl="0">
-              <a:lnSpc>
-                <a:spcPct val="150000"/>
-              </a:lnSpc>
-            </a:pPr>
-            <a:r>
-              <a:rPr lang="en-US" altLang="zh-CN" sz="1400" dirty="0"/>
-              <a:t>2.</a:t>
-            </a:r>
-            <a:r>
-              <a:rPr lang="zh-CN" altLang="zh-CN" sz="1400" dirty="0"/>
-              <a:t>实现复杂</a:t>
-            </a:r>
-            <a:r>
-              <a:rPr lang="en-US" altLang="zh-CN" sz="1400" dirty="0"/>
-              <a:t>/</a:t>
-            </a:r>
-            <a:r>
-              <a:rPr lang="zh-CN" altLang="zh-CN" sz="1400" dirty="0"/>
-              <a:t>复合动作</a:t>
-            </a:r>
-            <a:r>
-              <a:rPr lang="zh-CN" altLang="zh-CN" sz="1400" dirty="0"/>
-              <a:t>协调控制</a:t>
-            </a:r>
-            <a:r>
-              <a:rPr lang="en-US" altLang="zh-CN" sz="1400" dirty="0"/>
-              <a:t>——</a:t>
-            </a:r>
-            <a:r>
-              <a:rPr lang="zh-CN" altLang="en-US" sz="1400" dirty="0"/>
-              <a:t>手指微小的运动？</a:t>
-            </a:r>
-            <a:endParaRPr lang="zh-CN" altLang="zh-CN" sz="1400" dirty="0"/>
-          </a:p>
-          <a:p>
-            <a:pPr lvl="0">
-              <a:lnSpc>
-                <a:spcPct val="150000"/>
-              </a:lnSpc>
-            </a:pPr>
-            <a:r>
-              <a:rPr lang="en-US" altLang="zh-CN" sz="1400" dirty="0"/>
-              <a:t>3.</a:t>
-            </a:r>
-            <a:r>
-              <a:rPr lang="zh-CN" altLang="zh-CN" sz="1400" dirty="0"/>
-              <a:t>优先选择触觉反馈使相应更</a:t>
-            </a:r>
-            <a:r>
-              <a:rPr lang="zh-CN" altLang="zh-CN" sz="1400" dirty="0"/>
-              <a:t>快</a:t>
-            </a:r>
-            <a:r>
-              <a:rPr lang="en-US" altLang="zh-CN" sz="1400" dirty="0"/>
-              <a:t>——</a:t>
-            </a:r>
-            <a:r>
-              <a:rPr lang="zh-CN" altLang="en-US" sz="1400" dirty="0"/>
-              <a:t>反馈直接由大脑相应部位感知？</a:t>
-            </a:r>
-            <a:endParaRPr lang="en-US" altLang="zh-CN" sz="1400" dirty="0"/>
-          </a:p>
-          <a:p>
-            <a:pPr lvl="0">
-              <a:lnSpc>
-                <a:spcPct val="150000"/>
-              </a:lnSpc>
-            </a:pPr>
-            <a:endParaRPr lang="en-US" altLang="zh-CN" sz="1400" dirty="0"/>
-          </a:p>
-          <a:p>
-            <a:pPr>
-              <a:lnSpc>
-                <a:spcPct val="150000"/>
-              </a:lnSpc>
-            </a:pPr>
-            <a:r>
-              <a:rPr lang="zh-CN" altLang="zh-CN" sz="1100" dirty="0"/>
-              <a:t>明东等</a:t>
-            </a:r>
-            <a:r>
-              <a:rPr lang="en-US" altLang="zh-CN" sz="1100" dirty="0"/>
-              <a:t>, </a:t>
-            </a:r>
-            <a:r>
-              <a:rPr lang="zh-CN" altLang="zh-CN" sz="1100" dirty="0"/>
-              <a:t>基于人机信息交互的助行外骨骼机器人技术进展</a:t>
-            </a:r>
-            <a:r>
-              <a:rPr lang="en-US" altLang="zh-CN" sz="1100" dirty="0"/>
-              <a:t>. </a:t>
-            </a:r>
-            <a:r>
-              <a:rPr lang="zh-CN" altLang="zh-CN" sz="1100" dirty="0"/>
-              <a:t>自动化学报</a:t>
-            </a:r>
-            <a:r>
-              <a:rPr lang="en-US" altLang="zh-CN" sz="1100" dirty="0"/>
-              <a:t>, 2017(07): </a:t>
-            </a:r>
-            <a:r>
-              <a:rPr lang="zh-CN" altLang="zh-CN" sz="1100" dirty="0"/>
-              <a:t>第</a:t>
-            </a:r>
-            <a:r>
-              <a:rPr lang="en-US" altLang="zh-CN" sz="1100" dirty="0"/>
-              <a:t>1089-1100</a:t>
-            </a:r>
-            <a:r>
-              <a:rPr lang="zh-CN" altLang="zh-CN" sz="1100" dirty="0"/>
-              <a:t>页</a:t>
-            </a:r>
-            <a:r>
-              <a:rPr lang="en-US" altLang="zh-CN" sz="1100" dirty="0"/>
-              <a:t>.</a:t>
-            </a:r>
-            <a:endParaRPr lang="zh-CN" altLang="en-US" sz="1100" dirty="0"/>
-          </a:p>
-          <a:p>
-            <a:pPr lvl="0">
-              <a:lnSpc>
-                <a:spcPct val="150000"/>
-              </a:lnSpc>
-            </a:pPr>
-            <a:endParaRPr lang="zh-CN" altLang="zh-CN" sz="1400" dirty="0"/>
-          </a:p>
-          <a:p>
-            <a:pPr>
-              <a:lnSpc>
-                <a:spcPct val="150000"/>
-              </a:lnSpc>
-            </a:pPr>
-            <a:endParaRPr lang="zh-CN" altLang="en-US" sz="1400" dirty="0"/>
-          </a:p>
-        </p:txBody>
-      </p:sp>
-    </p:spTree>
-    <p:extLst>
-      <p:ext uri="{BB962C8B-B14F-4D97-AF65-F5344CB8AC3E}">
-        <p14:creationId xmlns:p14="http://schemas.microsoft.com/office/powerpoint/2010/main" val="1553748268"/>
       </p:ext>
     </p:extLst>
   </p:cSld>

--- a/weekly_report/group2/第五周学习汇报.pptx
+++ b/weekly_report/group2/第五周学习汇报.pptx
@@ -11344,7 +11344,7 @@
           <a:graphicData uri="http://schemas.openxmlformats.org/presentationml/2006/ole">
             <mc:AlternateContent xmlns:mc="http://schemas.openxmlformats.org/markup-compatibility/2006">
               <mc:Choice xmlns:v="urn:schemas-microsoft-com:vml" Requires="v">
-                <p:oleObj spid="_x0000_s1029" name="Document" r:id="rId4" imgW="5274753" imgH="8915720" progId="Word.Document.12">
+                <p:oleObj spid="_x0000_s1030" name="Document" r:id="rId4" imgW="5274753" imgH="8915720" progId="Word.Document.12">
                   <p:embed/>
                 </p:oleObj>
               </mc:Choice>
@@ -11503,7 +11503,7 @@
         </p:nvSpPr>
         <p:spPr>
           <a:xfrm>
-            <a:off x="502920" y="5157192"/>
+            <a:off x="444056" y="5517232"/>
             <a:ext cx="8183880" cy="1051560"/>
           </a:xfrm>
         </p:spPr>
@@ -11528,14 +11528,14 @@
           <p:nvPr>
             <p:extLst>
               <p:ext uri="{D42A27DB-BD31-4B8C-83A1-F6EECF244321}">
-                <p14:modId xmlns:p14="http://schemas.microsoft.com/office/powerpoint/2010/main" val="3984566576"/>
+                <p14:modId xmlns:p14="http://schemas.microsoft.com/office/powerpoint/2010/main" val="2350854242"/>
               </p:ext>
             </p:extLst>
           </p:nvPr>
         </p:nvGraphicFramePr>
         <p:xfrm>
-          <a:off x="683568" y="620688"/>
-          <a:ext cx="7704856" cy="4847507"/>
+          <a:off x="683568" y="476672"/>
+          <a:ext cx="7704856" cy="5411260"/>
         </p:xfrm>
         <a:graphic>
           <a:graphicData uri="http://schemas.openxmlformats.org/drawingml/2006/table">
@@ -12662,7 +12662,48 @@
                           <a:latin typeface="+mn-ea"/>
                           <a:ea typeface="+mn-ea"/>
                         </a:rPr>
-                        <a:t>案例分析，综合策划。树立产业报告权威性。</a:t>
+                        <a:t>案例分析，综合策划。树立产业报告权威性</a:t>
+                      </a:r>
+                      <a:r>
+                        <a:rPr lang="zh-CN" altLang="en-US" sz="1100" b="0" kern="0" dirty="0" smtClean="0">
+                          <a:solidFill>
+                            <a:srgbClr val="282828"/>
+                          </a:solidFill>
+                          <a:effectLst/>
+                          <a:latin typeface="+mn-ea"/>
+                          <a:ea typeface="+mn-ea"/>
+                        </a:rPr>
+                        <a:t>。</a:t>
+                      </a:r>
+                      <a:endParaRPr lang="en-US" altLang="zh-CN" sz="1100" b="0" kern="0" dirty="0" smtClean="0">
+                        <a:solidFill>
+                          <a:srgbClr val="282828"/>
+                        </a:solidFill>
+                        <a:effectLst/>
+                        <a:latin typeface="+mn-ea"/>
+                        <a:ea typeface="+mn-ea"/>
+                      </a:endParaRPr>
+                    </a:p>
+                    <a:p>
+                      <a:pPr algn="just">
+                        <a:lnSpc>
+                          <a:spcPts val="1900"/>
+                        </a:lnSpc>
+                        <a:spcAft>
+                          <a:spcPts val="0"/>
+                        </a:spcAft>
+                      </a:pPr>
+                      <a:r>
+                        <a:rPr lang="zh-CN" altLang="en-US" sz="1100" b="0" kern="0" dirty="0" smtClean="0">
+                          <a:solidFill>
+                            <a:srgbClr val="282828"/>
+                          </a:solidFill>
+                          <a:effectLst/>
+                          <a:latin typeface="+mn-ea"/>
+                          <a:ea typeface="+mn-ea"/>
+                          <a:cs typeface="Times New Roman"/>
+                        </a:rPr>
+                        <a:t>*针对细分市场，对业务进行分模块分析，建立模块之间的联系。</a:t>
                       </a:r>
                       <a:endParaRPr lang="zh-CN" sz="1100" b="0" kern="100" dirty="0">
                         <a:solidFill>
@@ -13087,7 +13128,7 @@
                           <a:ea typeface="+mn-ea"/>
                           <a:cs typeface="+mn-cs"/>
                         </a:rPr>
-                        <a:t>：	</a:t>
+                        <a:t>：</a:t>
                       </a:r>
                       <a:endParaRPr lang="zh-CN" altLang="zh-CN" sz="1100" b="0" kern="0" dirty="0" smtClean="0">
                         <a:solidFill>
